--- a/其他/ppt/20171128_進度報告.pptx
+++ b/其他/ppt/20171128_進度報告.pptx
@@ -5435,61 +5435,6 @@
       </p:sp>
       <p:sp>
         <p:nvSpPr>
-          <p:cNvPr id="25" name="椭圆 24"/>
-          <p:cNvSpPr/>
-          <p:nvPr/>
-        </p:nvSpPr>
-        <p:spPr>
-          <a:xfrm>
-            <a:off x="3156464" y="5220664"/>
-            <a:ext cx="282200" cy="282197"/>
-          </a:xfrm>
-          <a:prstGeom prst="ellipse">
-            <a:avLst/>
-          </a:prstGeom>
-          <a:solidFill>
-            <a:schemeClr val="accent1"/>
-          </a:solidFill>
-          <a:ln>
-            <a:noFill/>
-          </a:ln>
-          <a:effectLst>
-            <a:outerShdw blurRad="50800" dist="25400" dir="2700000" algn="tl" rotWithShape="0">
-              <a:prstClr val="black">
-                <a:alpha val="40000"/>
-              </a:prstClr>
-            </a:outerShdw>
-          </a:effectLst>
-        </p:spPr>
-        <p:style>
-          <a:lnRef idx="1">
-            <a:schemeClr val="accent1"/>
-          </a:lnRef>
-          <a:fillRef idx="3">
-            <a:schemeClr val="accent1"/>
-          </a:fillRef>
-          <a:effectRef idx="2">
-            <a:schemeClr val="accent1"/>
-          </a:effectRef>
-          <a:fontRef idx="minor">
-            <a:schemeClr val="lt1"/>
-          </a:fontRef>
-        </p:style>
-        <p:txBody>
-          <a:bodyPr rtlCol="0" anchor="ctr"/>
-          <a:lstStyle/>
-          <a:p>
-            <a:pPr algn="ctr">
-              <a:lnSpc>
-                <a:spcPct val="80000"/>
-              </a:lnSpc>
-            </a:pPr>
-            <a:endParaRPr kumimoji="1" lang="zh-CN" altLang="en-US" sz="8000" b="1" dirty="0"/>
-          </a:p>
-        </p:txBody>
-      </p:sp>
-      <p:sp>
-        <p:nvSpPr>
           <p:cNvPr id="28" name="矩形 27"/>
           <p:cNvSpPr/>
           <p:nvPr/>
@@ -5553,14 +5498,14 @@
       </p:sp>
       <p:sp>
         <p:nvSpPr>
-          <p:cNvPr id="29" name="矩形 28"/>
+          <p:cNvPr id="32" name="矩形 31"/>
           <p:cNvSpPr/>
           <p:nvPr/>
         </p:nvSpPr>
         <p:spPr>
           <a:xfrm>
-            <a:off x="2792191" y="5534449"/>
-            <a:ext cx="1008609" cy="461665"/>
+            <a:off x="1855251" y="4994140"/>
+            <a:ext cx="646331" cy="397032"/>
           </a:xfrm>
           <a:prstGeom prst="rect">
             <a:avLst/>
@@ -5572,44 +5517,6 @@
           </a:bodyPr>
           <a:lstStyle/>
           <a:p>
-            <a:pPr algn="ctr"/>
-            <a:r>
-              <a:rPr kumimoji="1" lang="en-US" altLang="zh-CN" sz="2400" b="1" dirty="0">
-                <a:solidFill>
-                  <a:srgbClr val="FFFFFF"/>
-                </a:solidFill>
-              </a:rPr>
-              <a:t>score</a:t>
-            </a:r>
-            <a:endParaRPr lang="zh-CN" altLang="en-US" sz="2400" dirty="0">
-              <a:solidFill>
-                <a:srgbClr val="FFFFFF"/>
-              </a:solidFill>
-            </a:endParaRPr>
-          </a:p>
-        </p:txBody>
-      </p:sp>
-      <p:sp>
-        <p:nvSpPr>
-          <p:cNvPr id="32" name="矩形 31"/>
-          <p:cNvSpPr/>
-          <p:nvPr/>
-        </p:nvSpPr>
-        <p:spPr>
-          <a:xfrm>
-            <a:off x="1855251" y="4994140"/>
-            <a:ext cx="646331" cy="397032"/>
-          </a:xfrm>
-          <a:prstGeom prst="rect">
-            <a:avLst/>
-          </a:prstGeom>
-        </p:spPr>
-        <p:txBody>
-          <a:bodyPr wrap="none">
-            <a:spAutoFit/>
-          </a:bodyPr>
-          <a:lstStyle/>
-          <a:p>
             <a:pPr algn="ctr">
               <a:lnSpc>
                 <a:spcPct val="110000"/>
@@ -5625,54 +5532,6 @@
                 <a:cs typeface="微软雅黑"/>
               </a:rPr>
               <a:t>確認</a:t>
-            </a:r>
-            <a:endParaRPr kumimoji="1" lang="zh-CN" altLang="en-US" b="1" dirty="0">
-              <a:solidFill>
-                <a:schemeClr val="bg1"/>
-              </a:solidFill>
-              <a:latin typeface="微软雅黑"/>
-              <a:ea typeface="微软雅黑"/>
-              <a:cs typeface="微软雅黑"/>
-            </a:endParaRPr>
-          </a:p>
-        </p:txBody>
-      </p:sp>
-      <p:sp>
-        <p:nvSpPr>
-          <p:cNvPr id="33" name="矩形 32"/>
-          <p:cNvSpPr/>
-          <p:nvPr/>
-        </p:nvSpPr>
-        <p:spPr>
-          <a:xfrm>
-            <a:off x="4069776" y="4994140"/>
-            <a:ext cx="646331" cy="397032"/>
-          </a:xfrm>
-          <a:prstGeom prst="rect">
-            <a:avLst/>
-          </a:prstGeom>
-        </p:spPr>
-        <p:txBody>
-          <a:bodyPr wrap="none">
-            <a:spAutoFit/>
-          </a:bodyPr>
-          <a:lstStyle/>
-          <a:p>
-            <a:pPr algn="ctr">
-              <a:lnSpc>
-                <a:spcPct val="110000"/>
-              </a:lnSpc>
-            </a:pPr>
-            <a:r>
-              <a:rPr kumimoji="1" lang="zh-TW" altLang="en-US" b="1" dirty="0" smtClean="0">
-                <a:solidFill>
-                  <a:schemeClr val="bg1"/>
-                </a:solidFill>
-                <a:latin typeface="微软雅黑"/>
-                <a:ea typeface="微软雅黑"/>
-                <a:cs typeface="微软雅黑"/>
-              </a:rPr>
-              <a:t>評分</a:t>
             </a:r>
             <a:endParaRPr kumimoji="1" lang="zh-CN" altLang="en-US" b="1" dirty="0">
               <a:solidFill>
@@ -6007,198 +5866,6 @@
             <a:endParaRPr lang="en-US" altLang="zh-CN" dirty="0">
               <a:solidFill>
                 <a:prstClr val="white"/>
-              </a:solidFill>
-              <a:latin typeface="微软雅黑" pitchFamily="34" charset="-122"/>
-              <a:ea typeface="微软雅黑" pitchFamily="34" charset="-122"/>
-            </a:endParaRPr>
-          </a:p>
-        </p:txBody>
-      </p:sp>
-      <p:sp>
-        <p:nvSpPr>
-          <p:cNvPr id="55" name="矩形 54"/>
-          <p:cNvSpPr/>
-          <p:nvPr/>
-        </p:nvSpPr>
-        <p:spPr>
-          <a:xfrm>
-            <a:off x="3563647" y="4172879"/>
-            <a:ext cx="1794240" cy="144000"/>
-          </a:xfrm>
-          <a:prstGeom prst="rect">
-            <a:avLst/>
-          </a:prstGeom>
-          <a:solidFill>
-            <a:schemeClr val="accent1"/>
-          </a:solidFill>
-          <a:ln>
-            <a:noFill/>
-          </a:ln>
-          <a:effectLst>
-            <a:outerShdw blurRad="50800" dist="25400" dir="2700000" algn="tl" rotWithShape="0">
-              <a:prstClr val="black">
-                <a:alpha val="40000"/>
-              </a:prstClr>
-            </a:outerShdw>
-          </a:effectLst>
-        </p:spPr>
-        <p:style>
-          <a:lnRef idx="1">
-            <a:schemeClr val="accent1"/>
-          </a:lnRef>
-          <a:fillRef idx="3">
-            <a:schemeClr val="accent1"/>
-          </a:fillRef>
-          <a:effectRef idx="2">
-            <a:schemeClr val="accent1"/>
-          </a:effectRef>
-          <a:fontRef idx="minor">
-            <a:schemeClr val="lt1"/>
-          </a:fontRef>
-        </p:style>
-        <p:txBody>
-          <a:bodyPr rtlCol="0" anchor="ctr"/>
-          <a:lstStyle/>
-          <a:p>
-            <a:pPr algn="ctr"/>
-            <a:endParaRPr kumimoji="1" lang="zh-CN" altLang="en-US" sz="2400"/>
-          </a:p>
-        </p:txBody>
-      </p:sp>
-      <p:sp>
-        <p:nvSpPr>
-          <p:cNvPr id="56" name="矩形 55"/>
-          <p:cNvSpPr/>
-          <p:nvPr/>
-        </p:nvSpPr>
-        <p:spPr>
-          <a:xfrm>
-            <a:off x="3450548" y="1476000"/>
-            <a:ext cx="1920437" cy="2252924"/>
-          </a:xfrm>
-          <a:prstGeom prst="rect">
-            <a:avLst/>
-          </a:prstGeom>
-        </p:spPr>
-        <p:txBody>
-          <a:bodyPr wrap="square">
-            <a:spAutoFit/>
-          </a:bodyPr>
-          <a:lstStyle/>
-          <a:p>
-            <a:pPr>
-              <a:lnSpc>
-                <a:spcPct val="130000"/>
-              </a:lnSpc>
-            </a:pPr>
-            <a:r>
-              <a:rPr lang="en-US" altLang="zh-CN" dirty="0" err="1">
-                <a:solidFill>
-                  <a:schemeClr val="bg1"/>
-                </a:solidFill>
-                <a:latin typeface="微软雅黑" pitchFamily="34" charset="-122"/>
-                <a:ea typeface="微软雅黑" pitchFamily="34" charset="-122"/>
-              </a:rPr>
-              <a:t>scoreID</a:t>
-            </a:r>
-            <a:r>
-              <a:rPr lang="en-US" altLang="zh-CN" dirty="0">
-                <a:solidFill>
-                  <a:schemeClr val="bg1"/>
-                </a:solidFill>
-                <a:latin typeface="微软雅黑" pitchFamily="34" charset="-122"/>
-                <a:ea typeface="微软雅黑" pitchFamily="34" charset="-122"/>
-              </a:rPr>
-              <a:t>(P)</a:t>
-            </a:r>
-          </a:p>
-          <a:p>
-            <a:pPr>
-              <a:lnSpc>
-                <a:spcPct val="130000"/>
-              </a:lnSpc>
-            </a:pPr>
-            <a:r>
-              <a:rPr lang="en-US" altLang="zh-CN" dirty="0">
-                <a:solidFill>
-                  <a:schemeClr val="bg1"/>
-                </a:solidFill>
-                <a:latin typeface="微软雅黑" pitchFamily="34" charset="-122"/>
-                <a:ea typeface="微软雅黑" pitchFamily="34" charset="-122"/>
-              </a:rPr>
-              <a:t>commenter(F)</a:t>
-            </a:r>
-          </a:p>
-          <a:p>
-            <a:pPr>
-              <a:lnSpc>
-                <a:spcPct val="130000"/>
-              </a:lnSpc>
-            </a:pPr>
-            <a:r>
-              <a:rPr lang="en-US" altLang="zh-CN" dirty="0">
-                <a:solidFill>
-                  <a:schemeClr val="bg1"/>
-                </a:solidFill>
-                <a:latin typeface="微软雅黑" pitchFamily="34" charset="-122"/>
-                <a:ea typeface="微软雅黑" pitchFamily="34" charset="-122"/>
-              </a:rPr>
-              <a:t>commented(F)</a:t>
-            </a:r>
-          </a:p>
-          <a:p>
-            <a:pPr>
-              <a:lnSpc>
-                <a:spcPct val="130000"/>
-              </a:lnSpc>
-            </a:pPr>
-            <a:r>
-              <a:rPr lang="en-US" altLang="zh-CN" dirty="0">
-                <a:solidFill>
-                  <a:schemeClr val="bg1"/>
-                </a:solidFill>
-                <a:latin typeface="微软雅黑" pitchFamily="34" charset="-122"/>
-                <a:ea typeface="微软雅黑" pitchFamily="34" charset="-122"/>
-              </a:rPr>
-              <a:t>star</a:t>
-            </a:r>
-          </a:p>
-          <a:p>
-            <a:pPr>
-              <a:lnSpc>
-                <a:spcPct val="130000"/>
-              </a:lnSpc>
-            </a:pPr>
-            <a:r>
-              <a:rPr lang="en-US" altLang="zh-CN" dirty="0">
-                <a:solidFill>
-                  <a:schemeClr val="bg1"/>
-                </a:solidFill>
-                <a:latin typeface="微软雅黑" pitchFamily="34" charset="-122"/>
-                <a:ea typeface="微软雅黑" pitchFamily="34" charset="-122"/>
-              </a:rPr>
-              <a:t>comment</a:t>
-            </a:r>
-          </a:p>
-          <a:p>
-            <a:pPr>
-              <a:lnSpc>
-                <a:spcPct val="130000"/>
-              </a:lnSpc>
-            </a:pPr>
-            <a:r>
-              <a:rPr lang="en-US" altLang="zh-CN" dirty="0">
-                <a:solidFill>
-                  <a:schemeClr val="bg1"/>
-                </a:solidFill>
-                <a:latin typeface="微软雅黑" pitchFamily="34" charset="-122"/>
-                <a:ea typeface="微软雅黑" pitchFamily="34" charset="-122"/>
-              </a:rPr>
-              <a:t>time</a:t>
-            </a:r>
-            <a:endParaRPr lang="en-US" altLang="zh-CN" dirty="0">
-              <a:solidFill>
-                <a:schemeClr val="bg1"/>
               </a:solidFill>
               <a:latin typeface="微软雅黑" pitchFamily="34" charset="-122"/>
               <a:ea typeface="微软雅黑" pitchFamily="34" charset="-122"/>
@@ -7776,18 +7443,7 @@
                 <a:ea typeface="微软雅黑"/>
                 <a:cs typeface="微软雅黑"/>
               </a:rPr>
-              <a:t>需求</a:t>
-            </a:r>
-            <a:r>
-              <a:rPr kumimoji="1" lang="zh-TW" altLang="en-US" sz="2800" b="1" dirty="0" smtClean="0">
-                <a:solidFill>
-                  <a:schemeClr val="accent4"/>
-                </a:solidFill>
-                <a:latin typeface="微软雅黑"/>
-                <a:ea typeface="微软雅黑"/>
-                <a:cs typeface="微软雅黑"/>
-              </a:rPr>
-              <a:t> </a:t>
+              <a:t>需求 </a:t>
             </a:r>
             <a:r>
               <a:rPr kumimoji="1" lang="zh-TW" altLang="en-US" sz="2800" b="1" dirty="0">
@@ -8609,11 +8265,7 @@
           <a:p>
             <a:r>
               <a:rPr kumimoji="1" lang="zh-TW" altLang="en-US" dirty="0" smtClean="0"/>
-              <a:t>介</a:t>
-            </a:r>
-            <a:r>
-              <a:rPr kumimoji="1" lang="zh-TW" altLang="en-US" dirty="0" smtClean="0"/>
-              <a:t>面設計</a:t>
+              <a:t>介面設計</a:t>
             </a:r>
             <a:endParaRPr kumimoji="1" lang="zh-CN" altLang="en-US" dirty="0"/>
           </a:p>
@@ -9078,11 +8730,7 @@
           <a:p>
             <a:r>
               <a:rPr kumimoji="1" lang="zh-TW" altLang="en-US" dirty="0" smtClean="0"/>
-              <a:t>介</a:t>
-            </a:r>
-            <a:r>
-              <a:rPr kumimoji="1" lang="zh-TW" altLang="en-US" dirty="0" smtClean="0"/>
-              <a:t>面設計</a:t>
+              <a:t>介面設計</a:t>
             </a:r>
             <a:endParaRPr kumimoji="1" lang="zh-CN" altLang="en-US" dirty="0"/>
           </a:p>
@@ -9600,11 +9248,7 @@
           <a:p>
             <a:r>
               <a:rPr kumimoji="1" lang="zh-TW" altLang="en-US" dirty="0" smtClean="0"/>
-              <a:t>介</a:t>
-            </a:r>
-            <a:r>
-              <a:rPr kumimoji="1" lang="zh-TW" altLang="en-US" dirty="0" smtClean="0"/>
-              <a:t>面設計</a:t>
+              <a:t>介面設計</a:t>
             </a:r>
             <a:endParaRPr kumimoji="1" lang="zh-CN" altLang="en-US" dirty="0"/>
           </a:p>
@@ -10695,7 +10339,7 @@
         </p:nvSpPr>
         <p:spPr>
           <a:xfrm>
-            <a:off x="2463762" y="2594323"/>
+            <a:off x="2736000" y="2594323"/>
             <a:ext cx="1007007" cy="584775"/>
           </a:xfrm>
           <a:prstGeom prst="rect">
@@ -10814,8 +10458,8 @@
         </p:nvSpPr>
         <p:spPr>
           <a:xfrm>
-            <a:off x="7020000" y="2828772"/>
-            <a:ext cx="1260281" cy="584775"/>
+            <a:off x="6948000" y="2828772"/>
+            <a:ext cx="1391728" cy="584775"/>
           </a:xfrm>
           <a:prstGeom prst="rect">
             <a:avLst/>
@@ -10833,7 +10477,7 @@
                   <a:srgbClr val="FFFFFF"/>
                 </a:solidFill>
               </a:rPr>
-              <a:t>page</a:t>
+              <a:t>board</a:t>
             </a:r>
             <a:endParaRPr kumimoji="1" lang="en-US" altLang="zh-CN" sz="3200" b="1" dirty="0">
               <a:solidFill>
@@ -11239,8 +10883,8 @@
         </p:nvSpPr>
         <p:spPr>
           <a:xfrm>
-            <a:off x="4466567" y="828000"/>
-            <a:ext cx="1949687" cy="2653034"/>
+            <a:off x="4466567" y="180000"/>
+            <a:ext cx="1949687" cy="3293209"/>
           </a:xfrm>
           <a:prstGeom prst="rect">
             <a:avLst/>
@@ -11427,6 +11071,47 @@
               </a:rPr>
               <a:t>maxPeople</a:t>
             </a:r>
+            <a:endParaRPr lang="en-US" altLang="zh-CN" sz="1600" dirty="0" smtClean="0">
+              <a:solidFill>
+                <a:prstClr val="white"/>
+              </a:solidFill>
+              <a:latin typeface="微软雅黑" pitchFamily="34" charset="-122"/>
+              <a:ea typeface="微软雅黑" pitchFamily="34" charset="-122"/>
+            </a:endParaRPr>
+          </a:p>
+          <a:p>
+            <a:pPr lvl="0">
+              <a:lnSpc>
+                <a:spcPct val="130000"/>
+              </a:lnSpc>
+            </a:pPr>
+            <a:r>
+              <a:rPr lang="en-US" altLang="zh-CN" sz="1600" dirty="0">
+                <a:solidFill>
+                  <a:prstClr val="white"/>
+                </a:solidFill>
+                <a:latin typeface="微软雅黑" pitchFamily="34" charset="-122"/>
+                <a:ea typeface="微软雅黑" pitchFamily="34" charset="-122"/>
+              </a:rPr>
+              <a:t>picture</a:t>
+            </a:r>
+          </a:p>
+          <a:p>
+            <a:pPr lvl="0">
+              <a:lnSpc>
+                <a:spcPct val="130000"/>
+              </a:lnSpc>
+            </a:pPr>
+            <a:r>
+              <a:rPr lang="en-US" altLang="zh-CN" sz="1600" dirty="0" smtClean="0">
+                <a:solidFill>
+                  <a:prstClr val="white"/>
+                </a:solidFill>
+                <a:latin typeface="微软雅黑" pitchFamily="34" charset="-122"/>
+                <a:ea typeface="微软雅黑" pitchFamily="34" charset="-122"/>
+              </a:rPr>
+              <a:t>mention</a:t>
+            </a:r>
             <a:endParaRPr lang="en-US" altLang="zh-CN" sz="1600" dirty="0">
               <a:solidFill>
                 <a:prstClr val="white"/>
@@ -11446,7 +11131,7 @@
         <p:spPr>
           <a:xfrm>
             <a:off x="6641403" y="3381059"/>
-            <a:ext cx="1344536" cy="1052596"/>
+            <a:ext cx="1344536" cy="1692771"/>
           </a:xfrm>
           <a:prstGeom prst="rect">
             <a:avLst/>
@@ -11458,7 +11143,7 @@
           </a:bodyPr>
           <a:lstStyle/>
           <a:p>
-            <a:pPr lvl="0">
+            <a:pPr>
               <a:lnSpc>
                 <a:spcPct val="130000"/>
               </a:lnSpc>
@@ -11466,60 +11151,134 @@
             <a:r>
               <a:rPr lang="en-US" altLang="zh-CN" sz="1600" dirty="0" err="1">
                 <a:solidFill>
-                  <a:prstClr val="white"/>
+                  <a:schemeClr val="bg1"/>
                 </a:solidFill>
                 <a:latin typeface="微软雅黑" pitchFamily="34" charset="-122"/>
                 <a:ea typeface="微软雅黑" pitchFamily="34" charset="-122"/>
               </a:rPr>
-              <a:t>changeID</a:t>
+              <a:t>boardID</a:t>
             </a:r>
             <a:r>
               <a:rPr lang="en-US" altLang="zh-CN" sz="1600" dirty="0">
                 <a:solidFill>
-                  <a:prstClr val="white"/>
+                  <a:schemeClr val="bg1"/>
                 </a:solidFill>
                 <a:latin typeface="微软雅黑" pitchFamily="34" charset="-122"/>
                 <a:ea typeface="微软雅黑" pitchFamily="34" charset="-122"/>
               </a:rPr>
-              <a:t>(P)</a:t>
-            </a:r>
-          </a:p>
-          <a:p>
-            <a:pPr lvl="0">
-              <a:lnSpc>
-                <a:spcPct val="130000"/>
-              </a:lnSpc>
-            </a:pPr>
-            <a:r>
-              <a:rPr lang="en-US" altLang="zh-CN" sz="1600" dirty="0">
-                <a:solidFill>
-                  <a:prstClr val="white"/>
+              <a:t>(P</a:t>
+            </a:r>
+            <a:r>
+              <a:rPr lang="en-US" altLang="zh-CN" sz="1600" dirty="0" smtClean="0">
+                <a:solidFill>
+                  <a:schemeClr val="bg1"/>
                 </a:solidFill>
                 <a:latin typeface="微软雅黑" pitchFamily="34" charset="-122"/>
                 <a:ea typeface="微软雅黑" pitchFamily="34" charset="-122"/>
               </a:rPr>
-              <a:t>picture</a:t>
-            </a:r>
-          </a:p>
-          <a:p>
-            <a:pPr lvl="0">
+              <a:t>)</a:t>
+            </a:r>
+          </a:p>
+          <a:p>
+            <a:pPr>
               <a:lnSpc>
                 <a:spcPct val="130000"/>
               </a:lnSpc>
             </a:pPr>
             <a:r>
-              <a:rPr lang="en-US" altLang="zh-CN" sz="1600" dirty="0" smtClean="0">
-                <a:solidFill>
-                  <a:prstClr val="white"/>
+              <a:rPr lang="en-US" altLang="zh-CN" sz="1600" dirty="0" err="1" smtClean="0">
+                <a:solidFill>
+                  <a:schemeClr val="bg1"/>
                 </a:solidFill>
                 <a:latin typeface="微软雅黑" pitchFamily="34" charset="-122"/>
                 <a:ea typeface="微软雅黑" pitchFamily="34" charset="-122"/>
               </a:rPr>
-              <a:t>mention</a:t>
+              <a:t>changeID</a:t>
+            </a:r>
+            <a:r>
+              <a:rPr lang="en-US" altLang="zh-CN" sz="1600" dirty="0" smtClean="0">
+                <a:solidFill>
+                  <a:schemeClr val="bg1"/>
+                </a:solidFill>
+                <a:latin typeface="微软雅黑" pitchFamily="34" charset="-122"/>
+                <a:ea typeface="微软雅黑" pitchFamily="34" charset="-122"/>
+              </a:rPr>
+              <a:t>(F</a:t>
+            </a:r>
+            <a:r>
+              <a:rPr lang="en-US" altLang="zh-CN" sz="1600" dirty="0">
+                <a:solidFill>
+                  <a:schemeClr val="bg1"/>
+                </a:solidFill>
+                <a:latin typeface="微软雅黑" pitchFamily="34" charset="-122"/>
+                <a:ea typeface="微软雅黑" pitchFamily="34" charset="-122"/>
+              </a:rPr>
+              <a:t>)</a:t>
+            </a:r>
+          </a:p>
+          <a:p>
+            <a:pPr>
+              <a:lnSpc>
+                <a:spcPct val="130000"/>
+              </a:lnSpc>
+            </a:pPr>
+            <a:r>
+              <a:rPr lang="en-US" altLang="zh-CN" sz="1600" dirty="0" err="1">
+                <a:solidFill>
+                  <a:schemeClr val="bg1"/>
+                </a:solidFill>
+                <a:latin typeface="微软雅黑" pitchFamily="34" charset="-122"/>
+                <a:ea typeface="微软雅黑" pitchFamily="34" charset="-122"/>
+              </a:rPr>
+              <a:t>userID</a:t>
+            </a:r>
+            <a:r>
+              <a:rPr lang="en-US" altLang="zh-CN" sz="1600" dirty="0">
+                <a:solidFill>
+                  <a:schemeClr val="bg1"/>
+                </a:solidFill>
+                <a:latin typeface="微软雅黑" pitchFamily="34" charset="-122"/>
+                <a:ea typeface="微软雅黑" pitchFamily="34" charset="-122"/>
+              </a:rPr>
+              <a:t>(F)</a:t>
+            </a:r>
+          </a:p>
+          <a:p>
+            <a:pPr>
+              <a:lnSpc>
+                <a:spcPct val="130000"/>
+              </a:lnSpc>
+            </a:pPr>
+            <a:r>
+              <a:rPr lang="en-US" altLang="zh-CN" sz="1600" dirty="0">
+                <a:solidFill>
+                  <a:schemeClr val="bg1"/>
+                </a:solidFill>
+                <a:latin typeface="微软雅黑" pitchFamily="34" charset="-122"/>
+                <a:ea typeface="微软雅黑" pitchFamily="34" charset="-122"/>
+              </a:rPr>
+              <a:t>content</a:t>
+            </a:r>
+          </a:p>
+          <a:p>
+            <a:pPr>
+              <a:lnSpc>
+                <a:spcPct val="130000"/>
+              </a:lnSpc>
+            </a:pPr>
+            <a:r>
+              <a:rPr lang="en-US" altLang="zh-CN" sz="1600" dirty="0">
+                <a:solidFill>
+                  <a:schemeClr val="bg1"/>
+                </a:solidFill>
+                <a:latin typeface="微软雅黑" pitchFamily="34" charset="-122"/>
+                <a:ea typeface="微软雅黑" pitchFamily="34" charset="-122"/>
+              </a:rPr>
+              <a:t>time</a:t>
             </a:r>
             <a:endParaRPr lang="en-US" altLang="zh-CN" sz="1600" dirty="0">
               <a:solidFill>
-                <a:prstClr val="white"/>
+                <a:schemeClr val="bg1"/>
               </a:solidFill>
               <a:latin typeface="微软雅黑" pitchFamily="34" charset="-122"/>
               <a:ea typeface="微软雅黑" pitchFamily="34" charset="-122"/>
@@ -11644,413 +11403,6 @@
           </a:p>
         </p:txBody>
       </p:sp>
-      <p:graphicFrame>
-        <p:nvGraphicFramePr>
-          <p:cNvPr id="6" name="表格 5"/>
-          <p:cNvGraphicFramePr>
-            <a:graphicFrameLocks noGrp="1"/>
-          </p:cNvGraphicFramePr>
-          <p:nvPr>
-            <p:extLst>
-              <p:ext uri="{D42A27DB-BD31-4B8C-83A1-F6EECF244321}">
-                <p14:modId xmlns:p14="http://schemas.microsoft.com/office/powerpoint/2010/main" val="5401947"/>
-              </p:ext>
-            </p:extLst>
-          </p:nvPr>
-        </p:nvGraphicFramePr>
-        <p:xfrm>
-          <a:off x="12954000" y="1698461"/>
-          <a:ext cx="1270000" cy="2819400"/>
-        </p:xfrm>
-        <a:graphic>
-          <a:graphicData uri="http://schemas.openxmlformats.org/drawingml/2006/table">
-            <a:tbl>
-              <a:tblPr>
-                <a:tableStyleId>{5C22544A-7EE6-4342-B048-85BDC9FD1C3A}</a:tableStyleId>
-              </a:tblPr>
-              <a:tblGrid>
-                <a:gridCol w="1270000">
-                  <a:extLst>
-                    <a:ext uri="{9D8B030D-6E8A-4147-A177-3AD203B41FA5}">
-                      <a16:colId xmlns:a16="http://schemas.microsoft.com/office/drawing/2014/main" val="3175691407"/>
-                    </a:ext>
-                  </a:extLst>
-                </a:gridCol>
-              </a:tblGrid>
-              <a:tr h="205740">
-                <a:tc>
-                  <a:txBody>
-                    <a:bodyPr/>
-                    <a:lstStyle/>
-                    <a:p>
-                      <a:pPr algn="l" fontAlgn="ctr"/>
-                      <a:r>
-                        <a:rPr lang="en-US" sz="1200" u="none" strike="noStrike" dirty="0" err="1">
-                          <a:effectLst/>
-                        </a:rPr>
-                        <a:t>userID</a:t>
-                      </a:r>
-                      <a:r>
-                        <a:rPr lang="en-US" sz="1200" u="none" strike="noStrike" dirty="0">
-                          <a:effectLst/>
-                        </a:rPr>
-                        <a:t>(P)</a:t>
-                      </a:r>
-                      <a:endParaRPr lang="en-US" sz="1200" b="0" i="0" u="none" strike="noStrike" dirty="0">
-                        <a:solidFill>
-                          <a:srgbClr val="000000"/>
-                        </a:solidFill>
-                        <a:effectLst/>
-                        <a:latin typeface="新細明體" panose="02020500000000000000" pitchFamily="18" charset="-120"/>
-                        <a:ea typeface="新細明體" panose="02020500000000000000" pitchFamily="18" charset="-120"/>
-                      </a:endParaRPr>
-                    </a:p>
-                  </a:txBody>
-                  <a:tcPr marL="7620" marR="7620" marT="7620" marB="0" anchor="ctr"/>
-                </a:tc>
-                <a:extLst>
-                  <a:ext uri="{0D108BD9-81ED-4DB2-BD59-A6C34878D82A}">
-                    <a16:rowId xmlns:a16="http://schemas.microsoft.com/office/drawing/2014/main" val="399104899"/>
-                  </a:ext>
-                </a:extLst>
-              </a:tr>
-              <a:tr h="205740">
-                <a:tc>
-                  <a:txBody>
-                    <a:bodyPr/>
-                    <a:lstStyle/>
-                    <a:p>
-                      <a:pPr algn="l" fontAlgn="ctr"/>
-                      <a:r>
-                        <a:rPr lang="en-US" sz="1200" u="none" strike="noStrike">
-                          <a:effectLst/>
-                        </a:rPr>
-                        <a:t>account</a:t>
-                      </a:r>
-                      <a:endParaRPr lang="en-US" sz="1200" b="0" i="0" u="none" strike="noStrike">
-                        <a:solidFill>
-                          <a:srgbClr val="000000"/>
-                        </a:solidFill>
-                        <a:effectLst/>
-                        <a:latin typeface="新細明體" panose="02020500000000000000" pitchFamily="18" charset="-120"/>
-                        <a:ea typeface="新細明體" panose="02020500000000000000" pitchFamily="18" charset="-120"/>
-                      </a:endParaRPr>
-                    </a:p>
-                  </a:txBody>
-                  <a:tcPr marL="7620" marR="7620" marT="7620" marB="0" anchor="ctr"/>
-                </a:tc>
-                <a:extLst>
-                  <a:ext uri="{0D108BD9-81ED-4DB2-BD59-A6C34878D82A}">
-                    <a16:rowId xmlns:a16="http://schemas.microsoft.com/office/drawing/2014/main" val="1239141634"/>
-                  </a:ext>
-                </a:extLst>
-              </a:tr>
-              <a:tr h="411480">
-                <a:tc>
-                  <a:txBody>
-                    <a:bodyPr/>
-                    <a:lstStyle/>
-                    <a:p>
-                      <a:pPr algn="l" fontAlgn="ctr"/>
-                      <a:r>
-                        <a:rPr lang="en-US" sz="1200" u="none" strike="noStrike" dirty="0" err="1">
-                          <a:effectLst/>
-                        </a:rPr>
-                        <a:t>passward</a:t>
-                      </a:r>
-                      <a:endParaRPr lang="en-US" sz="1200" b="0" i="0" u="none" strike="noStrike" dirty="0">
-                        <a:solidFill>
-                          <a:srgbClr val="000000"/>
-                        </a:solidFill>
-                        <a:effectLst/>
-                        <a:latin typeface="新細明體" panose="02020500000000000000" pitchFamily="18" charset="-120"/>
-                        <a:ea typeface="新細明體" panose="02020500000000000000" pitchFamily="18" charset="-120"/>
-                      </a:endParaRPr>
-                    </a:p>
-                  </a:txBody>
-                  <a:tcPr marL="7620" marR="7620" marT="7620" marB="0" anchor="ctr"/>
-                </a:tc>
-                <a:extLst>
-                  <a:ext uri="{0D108BD9-81ED-4DB2-BD59-A6C34878D82A}">
-                    <a16:rowId xmlns:a16="http://schemas.microsoft.com/office/drawing/2014/main" val="1145516038"/>
-                  </a:ext>
-                </a:extLst>
-              </a:tr>
-              <a:tr h="205740">
-                <a:tc>
-                  <a:txBody>
-                    <a:bodyPr/>
-                    <a:lstStyle/>
-                    <a:p>
-                      <a:pPr algn="l" fontAlgn="ctr"/>
-                      <a:r>
-                        <a:rPr lang="en-US" sz="1200" u="none" strike="noStrike" dirty="0" err="1">
-                          <a:effectLst/>
-                        </a:rPr>
-                        <a:t>userName</a:t>
-                      </a:r>
-                      <a:endParaRPr lang="en-US" sz="1200" b="0" i="0" u="none" strike="noStrike" dirty="0">
-                        <a:solidFill>
-                          <a:srgbClr val="000000"/>
-                        </a:solidFill>
-                        <a:effectLst/>
-                        <a:latin typeface="新細明體" panose="02020500000000000000" pitchFamily="18" charset="-120"/>
-                        <a:ea typeface="新細明體" panose="02020500000000000000" pitchFamily="18" charset="-120"/>
-                      </a:endParaRPr>
-                    </a:p>
-                  </a:txBody>
-                  <a:tcPr marL="7620" marR="7620" marT="7620" marB="0" anchor="ctr"/>
-                </a:tc>
-                <a:extLst>
-                  <a:ext uri="{0D108BD9-81ED-4DB2-BD59-A6C34878D82A}">
-                    <a16:rowId xmlns:a16="http://schemas.microsoft.com/office/drawing/2014/main" val="1424191524"/>
-                  </a:ext>
-                </a:extLst>
-              </a:tr>
-              <a:tr h="205740">
-                <a:tc>
-                  <a:txBody>
-                    <a:bodyPr/>
-                    <a:lstStyle/>
-                    <a:p>
-                      <a:pPr algn="l" fontAlgn="ctr"/>
-                      <a:r>
-                        <a:rPr lang="en-US" sz="1200" u="none" strike="noStrike" dirty="0">
-                          <a:effectLst/>
-                        </a:rPr>
-                        <a:t>birthday</a:t>
-                      </a:r>
-                      <a:endParaRPr lang="en-US" sz="1200" b="0" i="0" u="none" strike="noStrike" dirty="0">
-                        <a:solidFill>
-                          <a:srgbClr val="000000"/>
-                        </a:solidFill>
-                        <a:effectLst/>
-                        <a:latin typeface="新細明體" panose="02020500000000000000" pitchFamily="18" charset="-120"/>
-                        <a:ea typeface="新細明體" panose="02020500000000000000" pitchFamily="18" charset="-120"/>
-                      </a:endParaRPr>
-                    </a:p>
-                  </a:txBody>
-                  <a:tcPr marL="7620" marR="7620" marT="7620" marB="0" anchor="ctr"/>
-                </a:tc>
-                <a:extLst>
-                  <a:ext uri="{0D108BD9-81ED-4DB2-BD59-A6C34878D82A}">
-                    <a16:rowId xmlns:a16="http://schemas.microsoft.com/office/drawing/2014/main" val="2572464126"/>
-                  </a:ext>
-                </a:extLst>
-              </a:tr>
-              <a:tr h="205740">
-                <a:tc>
-                  <a:txBody>
-                    <a:bodyPr/>
-                    <a:lstStyle/>
-                    <a:p>
-                      <a:pPr algn="l" fontAlgn="ctr"/>
-                      <a:r>
-                        <a:rPr lang="en-US" sz="1200" u="none" strike="noStrike" dirty="0">
-                          <a:effectLst/>
-                        </a:rPr>
-                        <a:t>sex</a:t>
-                      </a:r>
-                      <a:endParaRPr lang="en-US" sz="1200" b="0" i="0" u="none" strike="noStrike" dirty="0">
-                        <a:solidFill>
-                          <a:srgbClr val="000000"/>
-                        </a:solidFill>
-                        <a:effectLst/>
-                        <a:latin typeface="新細明體" panose="02020500000000000000" pitchFamily="18" charset="-120"/>
-                        <a:ea typeface="新細明體" panose="02020500000000000000" pitchFamily="18" charset="-120"/>
-                      </a:endParaRPr>
-                    </a:p>
-                  </a:txBody>
-                  <a:tcPr marL="7620" marR="7620" marT="7620" marB="0" anchor="ctr"/>
-                </a:tc>
-                <a:extLst>
-                  <a:ext uri="{0D108BD9-81ED-4DB2-BD59-A6C34878D82A}">
-                    <a16:rowId xmlns:a16="http://schemas.microsoft.com/office/drawing/2014/main" val="2292989618"/>
-                  </a:ext>
-                </a:extLst>
-              </a:tr>
-              <a:tr h="205740">
-                <a:tc>
-                  <a:txBody>
-                    <a:bodyPr/>
-                    <a:lstStyle/>
-                    <a:p>
-                      <a:pPr algn="l" fontAlgn="ctr"/>
-                      <a:r>
-                        <a:rPr lang="en-US" sz="1200" u="none" strike="noStrike" dirty="0" err="1">
-                          <a:effectLst/>
-                        </a:rPr>
-                        <a:t>phonenumber</a:t>
-                      </a:r>
-                      <a:endParaRPr lang="en-US" sz="1200" b="0" i="0" u="none" strike="noStrike" dirty="0">
-                        <a:solidFill>
-                          <a:srgbClr val="000000"/>
-                        </a:solidFill>
-                        <a:effectLst/>
-                        <a:latin typeface="新細明體" panose="02020500000000000000" pitchFamily="18" charset="-120"/>
-                        <a:ea typeface="新細明體" panose="02020500000000000000" pitchFamily="18" charset="-120"/>
-                      </a:endParaRPr>
-                    </a:p>
-                  </a:txBody>
-                  <a:tcPr marL="7620" marR="7620" marT="7620" marB="0" anchor="ctr"/>
-                </a:tc>
-                <a:extLst>
-                  <a:ext uri="{0D108BD9-81ED-4DB2-BD59-A6C34878D82A}">
-                    <a16:rowId xmlns:a16="http://schemas.microsoft.com/office/drawing/2014/main" val="318781064"/>
-                  </a:ext>
-                </a:extLst>
-              </a:tr>
-              <a:tr h="205740">
-                <a:tc>
-                  <a:txBody>
-                    <a:bodyPr/>
-                    <a:lstStyle/>
-                    <a:p>
-                      <a:pPr algn="l" fontAlgn="ctr"/>
-                      <a:r>
-                        <a:rPr lang="en-US" sz="1200" u="none" strike="noStrike" dirty="0">
-                          <a:effectLst/>
-                        </a:rPr>
-                        <a:t>email</a:t>
-                      </a:r>
-                      <a:endParaRPr lang="en-US" sz="1200" b="0" i="0" u="none" strike="noStrike" dirty="0">
-                        <a:solidFill>
-                          <a:srgbClr val="000000"/>
-                        </a:solidFill>
-                        <a:effectLst/>
-                        <a:latin typeface="新細明體" panose="02020500000000000000" pitchFamily="18" charset="-120"/>
-                        <a:ea typeface="新細明體" panose="02020500000000000000" pitchFamily="18" charset="-120"/>
-                      </a:endParaRPr>
-                    </a:p>
-                  </a:txBody>
-                  <a:tcPr marL="7620" marR="7620" marT="7620" marB="0" anchor="ctr"/>
-                </a:tc>
-                <a:extLst>
-                  <a:ext uri="{0D108BD9-81ED-4DB2-BD59-A6C34878D82A}">
-                    <a16:rowId xmlns:a16="http://schemas.microsoft.com/office/drawing/2014/main" val="2300764438"/>
-                  </a:ext>
-                </a:extLst>
-              </a:tr>
-              <a:tr h="411480">
-                <a:tc>
-                  <a:txBody>
-                    <a:bodyPr/>
-                    <a:lstStyle/>
-                    <a:p>
-                      <a:pPr algn="l" fontAlgn="ctr"/>
-                      <a:r>
-                        <a:rPr lang="en-US" sz="1200" u="none" strike="noStrike" dirty="0">
-                          <a:effectLst/>
-                        </a:rPr>
-                        <a:t>participated</a:t>
-                      </a:r>
-                      <a:br>
-                        <a:rPr lang="en-US" sz="1200" u="none" strike="noStrike" dirty="0">
-                          <a:effectLst/>
-                        </a:rPr>
-                      </a:br>
-                      <a:r>
-                        <a:rPr lang="en-US" sz="1200" u="none" strike="noStrike" dirty="0">
-                          <a:effectLst/>
-                        </a:rPr>
-                        <a:t>{"</a:t>
-                      </a:r>
-                      <a:r>
-                        <a:rPr lang="en-US" sz="1200" u="none" strike="noStrike" dirty="0" err="1">
-                          <a:effectLst/>
-                        </a:rPr>
-                        <a:t>changeID</a:t>
-                      </a:r>
-                      <a:r>
-                        <a:rPr lang="en-US" sz="1200" u="none" strike="noStrike" dirty="0">
-                          <a:effectLst/>
-                        </a:rPr>
-                        <a:t>": [1, 2]}</a:t>
-                      </a:r>
-                      <a:endParaRPr lang="en-US" sz="1200" b="0" i="0" u="none" strike="noStrike" dirty="0">
-                        <a:solidFill>
-                          <a:srgbClr val="000000"/>
-                        </a:solidFill>
-                        <a:effectLst/>
-                        <a:latin typeface="新細明體" panose="02020500000000000000" pitchFamily="18" charset="-120"/>
-                        <a:ea typeface="新細明體" panose="02020500000000000000" pitchFamily="18" charset="-120"/>
-                      </a:endParaRPr>
-                    </a:p>
-                  </a:txBody>
-                  <a:tcPr marL="7620" marR="7620" marT="7620" marB="0" anchor="ctr"/>
-                </a:tc>
-                <a:extLst>
-                  <a:ext uri="{0D108BD9-81ED-4DB2-BD59-A6C34878D82A}">
-                    <a16:rowId xmlns:a16="http://schemas.microsoft.com/office/drawing/2014/main" val="1000806245"/>
-                  </a:ext>
-                </a:extLst>
-              </a:tr>
-              <a:tr h="205740">
-                <a:tc>
-                  <a:txBody>
-                    <a:bodyPr/>
-                    <a:lstStyle/>
-                    <a:p>
-                      <a:pPr algn="l" fontAlgn="ctr"/>
-                      <a:r>
-                        <a:rPr lang="en-US" sz="1200" u="none" strike="noStrike" dirty="0">
-                          <a:effectLst/>
-                        </a:rPr>
-                        <a:t>photo</a:t>
-                      </a:r>
-                      <a:endParaRPr lang="en-US" sz="1200" b="0" i="0" u="none" strike="noStrike" dirty="0">
-                        <a:solidFill>
-                          <a:srgbClr val="000000"/>
-                        </a:solidFill>
-                        <a:effectLst/>
-                        <a:latin typeface="新細明體" panose="02020500000000000000" pitchFamily="18" charset="-120"/>
-                        <a:ea typeface="新細明體" panose="02020500000000000000" pitchFamily="18" charset="-120"/>
-                      </a:endParaRPr>
-                    </a:p>
-                  </a:txBody>
-                  <a:tcPr marL="7620" marR="7620" marT="7620" marB="0" anchor="ctr"/>
-                </a:tc>
-                <a:extLst>
-                  <a:ext uri="{0D108BD9-81ED-4DB2-BD59-A6C34878D82A}">
-                    <a16:rowId xmlns:a16="http://schemas.microsoft.com/office/drawing/2014/main" val="1874644393"/>
-                  </a:ext>
-                </a:extLst>
-              </a:tr>
-              <a:tr h="205740">
-                <a:tc>
-                  <a:txBody>
-                    <a:bodyPr/>
-                    <a:lstStyle/>
-                    <a:p>
-                      <a:pPr algn="l" fontAlgn="ctr"/>
-                      <a:r>
-                        <a:rPr lang="en-US" sz="1200" u="none" strike="noStrike" dirty="0" err="1">
-                          <a:effectLst/>
-                        </a:rPr>
-                        <a:t>defaultAddress</a:t>
-                      </a:r>
-                      <a:endParaRPr lang="en-US" sz="1200" b="0" i="0" u="none" strike="noStrike" dirty="0">
-                        <a:solidFill>
-                          <a:srgbClr val="000000"/>
-                        </a:solidFill>
-                        <a:effectLst/>
-                        <a:latin typeface="新細明體" panose="02020500000000000000" pitchFamily="18" charset="-120"/>
-                        <a:ea typeface="新細明體" panose="02020500000000000000" pitchFamily="18" charset="-120"/>
-                      </a:endParaRPr>
-                    </a:p>
-                  </a:txBody>
-                  <a:tcPr marL="7620" marR="7620" marT="7620" marB="0" anchor="ctr"/>
-                </a:tc>
-                <a:extLst>
-                  <a:ext uri="{0D108BD9-81ED-4DB2-BD59-A6C34878D82A}">
-                    <a16:rowId xmlns:a16="http://schemas.microsoft.com/office/drawing/2014/main" val="2952030848"/>
-                  </a:ext>
-                </a:extLst>
-              </a:tr>
-            </a:tbl>
-          </a:graphicData>
-        </a:graphic>
-      </p:graphicFrame>
       <p:sp>
         <p:nvSpPr>
           <p:cNvPr id="28" name="矩形 27"/>
@@ -12059,8 +11411,8 @@
         </p:nvSpPr>
         <p:spPr>
           <a:xfrm>
-            <a:off x="9108000" y="3572747"/>
-            <a:ext cx="1391728" cy="584775"/>
+            <a:off x="9396000" y="3572747"/>
+            <a:ext cx="684803" cy="584775"/>
           </a:xfrm>
           <a:prstGeom prst="rect">
             <a:avLst/>
@@ -12073,12 +11425,12 @@
           <a:lstStyle/>
           <a:p>
             <a:r>
-              <a:rPr kumimoji="1" lang="en-US" altLang="zh-CN" sz="3200" b="1" dirty="0" smtClean="0">
+              <a:rPr kumimoji="1" lang="en-US" altLang="zh-CN" sz="3200" b="1" dirty="0">
                 <a:solidFill>
                   <a:srgbClr val="FFFFFF"/>
                 </a:solidFill>
               </a:rPr>
-              <a:t>board</a:t>
+              <a:t>list</a:t>
             </a:r>
             <a:endParaRPr kumimoji="1" lang="en-US" altLang="zh-CN" sz="3200" b="1" dirty="0">
               <a:solidFill>
@@ -12132,7 +11484,7 @@
                 <a:latin typeface="微软雅黑" pitchFamily="34" charset="-122"/>
                 <a:ea typeface="微软雅黑" pitchFamily="34" charset="-122"/>
               </a:rPr>
-              <a:t>(F)</a:t>
+              <a:t>(P)</a:t>
             </a:r>
           </a:p>
           <a:p>
@@ -12142,32 +11494,32 @@
               </a:lnSpc>
             </a:pPr>
             <a:r>
-              <a:rPr lang="en-US" altLang="zh-CN" sz="1600" dirty="0" err="1">
+              <a:rPr lang="en-US" altLang="zh-CN" sz="1600" dirty="0">
                 <a:solidFill>
                   <a:schemeClr val="bg1"/>
                 </a:solidFill>
                 <a:latin typeface="微软雅黑" pitchFamily="34" charset="-122"/>
                 <a:ea typeface="微软雅黑" pitchFamily="34" charset="-122"/>
               </a:rPr>
-              <a:t>userID</a:t>
-            </a:r>
-            <a:r>
-              <a:rPr lang="en-US" altLang="zh-CN" sz="1600" dirty="0">
+              <a:t>sender(P)</a:t>
+            </a:r>
+          </a:p>
+          <a:p>
+            <a:pPr>
+              <a:lnSpc>
+                <a:spcPct val="130000"/>
+              </a:lnSpc>
+            </a:pPr>
+            <a:r>
+              <a:rPr lang="en-US" altLang="zh-CN" sz="1600" dirty="0" err="1">
                 <a:solidFill>
                   <a:schemeClr val="bg1"/>
                 </a:solidFill>
                 <a:latin typeface="微软雅黑" pitchFamily="34" charset="-122"/>
                 <a:ea typeface="微软雅黑" pitchFamily="34" charset="-122"/>
               </a:rPr>
-              <a:t>(F)</a:t>
-            </a:r>
-          </a:p>
-          <a:p>
-            <a:pPr>
-              <a:lnSpc>
-                <a:spcPct val="130000"/>
-              </a:lnSpc>
-            </a:pPr>
+              <a:t>reciever</a:t>
+            </a:r>
             <a:r>
               <a:rPr lang="en-US" altLang="zh-CN" sz="1600" dirty="0">
                 <a:solidFill>
@@ -12176,7 +11528,7 @@
                 <a:latin typeface="微软雅黑" pitchFamily="34" charset="-122"/>
                 <a:ea typeface="微软雅黑" pitchFamily="34" charset="-122"/>
               </a:rPr>
-              <a:t>content</a:t>
+              <a:t>(F)</a:t>
             </a:r>
           </a:p>
           <a:p>
@@ -12193,8 +11545,15 @@
                 <a:latin typeface="微软雅黑" pitchFamily="34" charset="-122"/>
                 <a:ea typeface="微软雅黑" pitchFamily="34" charset="-122"/>
               </a:rPr>
-              <a:t>time</a:t>
-            </a:r>
+              <a:t>address</a:t>
+            </a:r>
+            <a:endParaRPr lang="en-US" altLang="zh-CN" sz="1600" dirty="0">
+              <a:solidFill>
+                <a:schemeClr val="bg1"/>
+              </a:solidFill>
+              <a:latin typeface="微软雅黑" pitchFamily="34" charset="-122"/>
+              <a:ea typeface="微软雅黑" pitchFamily="34" charset="-122"/>
+            </a:endParaRPr>
           </a:p>
         </p:txBody>
       </p:sp>
@@ -12843,8 +12202,8 @@
         </p:nvSpPr>
         <p:spPr>
           <a:xfrm>
-            <a:off x="2463762" y="2594323"/>
-            <a:ext cx="1080745" cy="584775"/>
+            <a:off x="2376000" y="2594323"/>
+            <a:ext cx="1704313" cy="584775"/>
           </a:xfrm>
           <a:prstGeom prst="rect">
             <a:avLst/>
@@ -12857,12 +12216,12 @@
           <a:lstStyle/>
           <a:p>
             <a:r>
-              <a:rPr kumimoji="1" lang="en-US" altLang="zh-CN" sz="3200" b="1" dirty="0" smtClean="0">
+              <a:rPr kumimoji="1" lang="en-US" altLang="zh-CN" sz="3200" b="1" dirty="0">
                 <a:solidFill>
                   <a:srgbClr val="FFFFFF"/>
                 </a:solidFill>
               </a:rPr>
-              <a:t>type</a:t>
+              <a:t>whisper</a:t>
             </a:r>
             <a:endParaRPr kumimoji="1" lang="en-US" altLang="zh-CN" sz="3200" b="1" dirty="0">
               <a:solidFill>
@@ -12880,8 +12239,8 @@
         </p:nvSpPr>
         <p:spPr>
           <a:xfrm>
-            <a:off x="293242" y="3381060"/>
-            <a:ext cx="684803" cy="584775"/>
+            <a:off x="684000" y="3381060"/>
+            <a:ext cx="1080745" cy="584775"/>
           </a:xfrm>
           <a:prstGeom prst="rect">
             <a:avLst/>
@@ -12899,44 +12258,7 @@
                   <a:srgbClr val="FFFFFF"/>
                 </a:solidFill>
               </a:rPr>
-              <a:t>list</a:t>
-            </a:r>
-            <a:endParaRPr lang="zh-CN" altLang="en-US" sz="3200" dirty="0">
-              <a:solidFill>
-                <a:srgbClr val="FFFFFF"/>
-              </a:solidFill>
-            </a:endParaRPr>
-          </a:p>
-        </p:txBody>
-      </p:sp>
-      <p:sp>
-        <p:nvSpPr>
-          <p:cNvPr id="47" name="矩形 46"/>
-          <p:cNvSpPr/>
-          <p:nvPr/>
-        </p:nvSpPr>
-        <p:spPr>
-          <a:xfrm>
-            <a:off x="4500000" y="3381060"/>
-            <a:ext cx="1704313" cy="584775"/>
-          </a:xfrm>
-          <a:prstGeom prst="rect">
-            <a:avLst/>
-          </a:prstGeom>
-        </p:spPr>
-        <p:txBody>
-          <a:bodyPr wrap="none">
-            <a:spAutoFit/>
-          </a:bodyPr>
-          <a:lstStyle/>
-          <a:p>
-            <a:r>
-              <a:rPr kumimoji="1" lang="en-US" altLang="zh-CN" sz="3200" b="1" dirty="0" smtClean="0">
-                <a:solidFill>
-                  <a:srgbClr val="FFFFFF"/>
-                </a:solidFill>
-              </a:rPr>
-              <a:t>whisper</a:t>
+              <a:t>type</a:t>
             </a:r>
             <a:endParaRPr kumimoji="1" lang="en-US" altLang="zh-CN" sz="3200" b="1" dirty="0">
               <a:solidFill>
@@ -12948,6 +12270,43 @@
       </p:sp>
       <p:sp>
         <p:nvSpPr>
+          <p:cNvPr id="47" name="矩形 46"/>
+          <p:cNvSpPr/>
+          <p:nvPr/>
+        </p:nvSpPr>
+        <p:spPr>
+          <a:xfrm>
+            <a:off x="5004000" y="3381060"/>
+            <a:ext cx="1055097" cy="584775"/>
+          </a:xfrm>
+          <a:prstGeom prst="rect">
+            <a:avLst/>
+          </a:prstGeom>
+        </p:spPr>
+        <p:txBody>
+          <a:bodyPr wrap="none">
+            <a:spAutoFit/>
+          </a:bodyPr>
+          <a:lstStyle/>
+          <a:p>
+            <a:r>
+              <a:rPr kumimoji="1" lang="en-US" altLang="zh-CN" sz="3200" b="1" dirty="0">
+                <a:solidFill>
+                  <a:srgbClr val="FFFFFF"/>
+                </a:solidFill>
+              </a:rPr>
+              <a:t>item</a:t>
+            </a:r>
+            <a:endParaRPr kumimoji="1" lang="en-US" altLang="zh-CN" sz="3200" b="1" dirty="0">
+              <a:solidFill>
+                <a:srgbClr val="FFFFFF"/>
+              </a:solidFill>
+            </a:endParaRPr>
+          </a:p>
+        </p:txBody>
+      </p:sp>
+      <p:sp>
+        <p:nvSpPr>
           <p:cNvPr id="48" name="矩形 47"/>
           <p:cNvSpPr/>
           <p:nvPr/>
@@ -12955,7 +12314,7 @@
         <p:spPr>
           <a:xfrm>
             <a:off x="7020000" y="2828772"/>
-            <a:ext cx="1055097" cy="584775"/>
+            <a:ext cx="1285929" cy="584775"/>
           </a:xfrm>
           <a:prstGeom prst="rect">
             <a:avLst/>
@@ -12968,13 +12327,18 @@
           <a:lstStyle/>
           <a:p>
             <a:r>
-              <a:rPr kumimoji="1" lang="en-US" altLang="zh-CN" sz="3200" b="1" dirty="0" smtClean="0">
+              <a:rPr kumimoji="1" lang="en-US" altLang="zh-CN" sz="3200" b="1" dirty="0">
                 <a:solidFill>
                   <a:srgbClr val="FFFFFF"/>
                 </a:solidFill>
               </a:rPr>
-              <a:t>item</a:t>
-            </a:r>
+              <a:t>score</a:t>
+            </a:r>
+            <a:endParaRPr kumimoji="1" lang="en-US" altLang="zh-CN" sz="3200" b="1" dirty="0" smtClean="0">
+              <a:solidFill>
+                <a:srgbClr val="FFFFFF"/>
+              </a:solidFill>
+            </a:endParaRPr>
           </a:p>
         </p:txBody>
       </p:sp>
@@ -13004,110 +12368,14 @@
                 <a:spcPct val="130000"/>
               </a:lnSpc>
             </a:pPr>
-            <a:r>
-              <a:rPr lang="en-US" altLang="zh-CN" sz="1600" dirty="0" err="1">
-                <a:solidFill>
-                  <a:schemeClr val="bg1"/>
-                </a:solidFill>
-                <a:latin typeface="微软雅黑" pitchFamily="34" charset="-122"/>
-                <a:ea typeface="微软雅黑" pitchFamily="34" charset="-122"/>
-              </a:rPr>
-              <a:t>changeID</a:t>
-            </a:r>
-            <a:r>
-              <a:rPr lang="en-US" altLang="zh-CN" sz="1600" dirty="0">
-                <a:solidFill>
-                  <a:schemeClr val="bg1"/>
-                </a:solidFill>
-                <a:latin typeface="微软雅黑" pitchFamily="34" charset="-122"/>
-                <a:ea typeface="微软雅黑" pitchFamily="34" charset="-122"/>
-              </a:rPr>
-              <a:t>(P)</a:t>
-            </a:r>
-          </a:p>
-          <a:p>
-            <a:pPr>
-              <a:lnSpc>
-                <a:spcPct val="130000"/>
-              </a:lnSpc>
-            </a:pPr>
-            <a:r>
-              <a:rPr lang="en-US" altLang="zh-CN" sz="1600" dirty="0">
-                <a:solidFill>
-                  <a:schemeClr val="bg1"/>
-                </a:solidFill>
-                <a:latin typeface="微软雅黑" pitchFamily="34" charset="-122"/>
-                <a:ea typeface="微软雅黑" pitchFamily="34" charset="-122"/>
-              </a:rPr>
-              <a:t>sender(P)</a:t>
-            </a:r>
-          </a:p>
-          <a:p>
-            <a:pPr>
-              <a:lnSpc>
-                <a:spcPct val="130000"/>
-              </a:lnSpc>
-            </a:pPr>
-            <a:r>
-              <a:rPr lang="en-US" altLang="zh-CN" sz="1600" dirty="0" err="1">
-                <a:solidFill>
-                  <a:schemeClr val="bg1"/>
-                </a:solidFill>
-                <a:latin typeface="微软雅黑" pitchFamily="34" charset="-122"/>
-                <a:ea typeface="微软雅黑" pitchFamily="34" charset="-122"/>
-              </a:rPr>
-              <a:t>reciever</a:t>
-            </a:r>
-            <a:r>
-              <a:rPr lang="en-US" altLang="zh-CN" sz="1600" dirty="0">
-                <a:solidFill>
-                  <a:schemeClr val="bg1"/>
-                </a:solidFill>
-                <a:latin typeface="微软雅黑" pitchFamily="34" charset="-122"/>
-                <a:ea typeface="微软雅黑" pitchFamily="34" charset="-122"/>
-              </a:rPr>
-              <a:t>(F)</a:t>
-            </a:r>
-          </a:p>
-          <a:p>
-            <a:pPr>
-              <a:lnSpc>
-                <a:spcPct val="130000"/>
-              </a:lnSpc>
-            </a:pPr>
-            <a:r>
-              <a:rPr lang="en-US" altLang="zh-CN" sz="1600" dirty="0">
-                <a:solidFill>
-                  <a:schemeClr val="bg1"/>
-                </a:solidFill>
-                <a:latin typeface="微软雅黑" pitchFamily="34" charset="-122"/>
-                <a:ea typeface="微软雅黑" pitchFamily="34" charset="-122"/>
-              </a:rPr>
-              <a:t>address</a:t>
-            </a:r>
-          </a:p>
-        </p:txBody>
-      </p:sp>
-      <p:sp>
-        <p:nvSpPr>
-          <p:cNvPr id="50" name="矩形 49"/>
-          <p:cNvSpPr/>
-          <p:nvPr/>
-        </p:nvSpPr>
-        <p:spPr>
-          <a:xfrm>
-            <a:off x="2323388" y="3168000"/>
-            <a:ext cx="1705851" cy="1052596"/>
-          </a:xfrm>
-          <a:prstGeom prst="rect">
-            <a:avLst/>
-          </a:prstGeom>
-        </p:spPr>
-        <p:txBody>
-          <a:bodyPr wrap="square">
-            <a:spAutoFit/>
-          </a:bodyPr>
-          <a:lstStyle/>
+            <a:endParaRPr lang="en-US" altLang="zh-CN" sz="1600" dirty="0">
+              <a:solidFill>
+                <a:schemeClr val="bg1"/>
+              </a:solidFill>
+              <a:latin typeface="微软雅黑" pitchFamily="34" charset="-122"/>
+              <a:ea typeface="微软雅黑" pitchFamily="34" charset="-122"/>
+            </a:endParaRPr>
+          </a:p>
           <a:p>
             <a:pPr lvl="0">
               <a:lnSpc>
@@ -13187,14 +12455,14 @@
       </p:sp>
       <p:sp>
         <p:nvSpPr>
-          <p:cNvPr id="51" name="矩形 50"/>
+          <p:cNvPr id="50" name="矩形 49"/>
           <p:cNvSpPr/>
           <p:nvPr/>
         </p:nvSpPr>
         <p:spPr>
           <a:xfrm>
-            <a:off x="4466567" y="1800000"/>
-            <a:ext cx="2037625" cy="1692771"/>
+            <a:off x="2323388" y="3168000"/>
+            <a:ext cx="1705851" cy="1661609"/>
           </a:xfrm>
           <a:prstGeom prst="rect">
             <a:avLst/>
@@ -13298,99 +12566,6 @@
                 <a:ea typeface="微软雅黑" pitchFamily="34" charset="-122"/>
               </a:rPr>
               <a:t>time</a:t>
-            </a:r>
-          </a:p>
-        </p:txBody>
-      </p:sp>
-      <p:sp>
-        <p:nvSpPr>
-          <p:cNvPr id="52" name="矩形 51"/>
-          <p:cNvSpPr/>
-          <p:nvPr/>
-        </p:nvSpPr>
-        <p:spPr>
-          <a:xfrm>
-            <a:off x="6641403" y="3381059"/>
-            <a:ext cx="1868814" cy="3293209"/>
-          </a:xfrm>
-          <a:prstGeom prst="rect">
-            <a:avLst/>
-          </a:prstGeom>
-        </p:spPr>
-        <p:txBody>
-          <a:bodyPr wrap="square">
-            <a:spAutoFit/>
-          </a:bodyPr>
-          <a:lstStyle/>
-          <a:p>
-            <a:pPr lvl="0">
-              <a:lnSpc>
-                <a:spcPct val="130000"/>
-              </a:lnSpc>
-            </a:pPr>
-            <a:r>
-              <a:rPr lang="en-US" altLang="zh-CN" sz="1600" dirty="0" err="1">
-                <a:solidFill>
-                  <a:prstClr val="white"/>
-                </a:solidFill>
-                <a:latin typeface="微软雅黑" pitchFamily="34" charset="-122"/>
-                <a:ea typeface="微软雅黑" pitchFamily="34" charset="-122"/>
-              </a:rPr>
-              <a:t>changeID</a:t>
-            </a:r>
-            <a:r>
-              <a:rPr lang="en-US" altLang="zh-CN" sz="1600" dirty="0">
-                <a:solidFill>
-                  <a:prstClr val="white"/>
-                </a:solidFill>
-                <a:latin typeface="微软雅黑" pitchFamily="34" charset="-122"/>
-                <a:ea typeface="微软雅黑" pitchFamily="34" charset="-122"/>
-              </a:rPr>
-              <a:t>(P)</a:t>
-            </a:r>
-          </a:p>
-          <a:p>
-            <a:pPr lvl="0">
-              <a:lnSpc>
-                <a:spcPct val="130000"/>
-              </a:lnSpc>
-            </a:pPr>
-            <a:r>
-              <a:rPr lang="en-US" altLang="zh-CN" sz="1600" dirty="0" err="1">
-                <a:solidFill>
-                  <a:prstClr val="white"/>
-                </a:solidFill>
-                <a:latin typeface="微软雅黑" pitchFamily="34" charset="-122"/>
-                <a:ea typeface="微软雅黑" pitchFamily="34" charset="-122"/>
-              </a:rPr>
-              <a:t>userID</a:t>
-            </a:r>
-            <a:r>
-              <a:rPr lang="en-US" altLang="zh-CN" sz="1600" dirty="0">
-                <a:solidFill>
-                  <a:prstClr val="white"/>
-                </a:solidFill>
-                <a:latin typeface="微软雅黑" pitchFamily="34" charset="-122"/>
-                <a:ea typeface="微软雅黑" pitchFamily="34" charset="-122"/>
-              </a:rPr>
-              <a:t>(P)</a:t>
-            </a:r>
-          </a:p>
-          <a:p>
-            <a:pPr lvl="0">
-              <a:lnSpc>
-                <a:spcPct val="130000"/>
-              </a:lnSpc>
-            </a:pPr>
-            <a:r>
-              <a:rPr lang="en-US" altLang="zh-CN" sz="1600" dirty="0" err="1">
-                <a:solidFill>
-                  <a:prstClr val="white"/>
-                </a:solidFill>
-                <a:latin typeface="微软雅黑" pitchFamily="34" charset="-122"/>
-                <a:ea typeface="微软雅黑" pitchFamily="34" charset="-122"/>
-              </a:rPr>
-              <a:t>itemPic</a:t>
             </a:r>
             <a:endParaRPr lang="en-US" altLang="zh-CN" sz="1600" dirty="0">
               <a:solidFill>
@@ -13400,6 +12575,28 @@
               <a:ea typeface="微软雅黑" pitchFamily="34" charset="-122"/>
             </a:endParaRPr>
           </a:p>
+        </p:txBody>
+      </p:sp>
+      <p:sp>
+        <p:nvSpPr>
+          <p:cNvPr id="51" name="矩形 50"/>
+          <p:cNvSpPr/>
+          <p:nvPr/>
+        </p:nvSpPr>
+        <p:spPr>
+          <a:xfrm>
+            <a:off x="4466567" y="216000"/>
+            <a:ext cx="2037625" cy="3262047"/>
+          </a:xfrm>
+          <a:prstGeom prst="rect">
+            <a:avLst/>
+          </a:prstGeom>
+        </p:spPr>
+        <p:txBody>
+          <a:bodyPr wrap="square">
+            <a:spAutoFit/>
+          </a:bodyPr>
+          <a:lstStyle/>
           <a:p>
             <a:pPr lvl="0">
               <a:lnSpc>
@@ -13414,7 +12611,61 @@
                 <a:latin typeface="微软雅黑" pitchFamily="34" charset="-122"/>
                 <a:ea typeface="微软雅黑" pitchFamily="34" charset="-122"/>
               </a:rPr>
-              <a:t>itemState</a:t>
+              <a:t>changeID</a:t>
+            </a:r>
+            <a:r>
+              <a:rPr lang="en-US" altLang="zh-CN" sz="1600" dirty="0">
+                <a:solidFill>
+                  <a:prstClr val="white"/>
+                </a:solidFill>
+                <a:latin typeface="微软雅黑" pitchFamily="34" charset="-122"/>
+                <a:ea typeface="微软雅黑" pitchFamily="34" charset="-122"/>
+              </a:rPr>
+              <a:t>(P)</a:t>
+            </a:r>
+          </a:p>
+          <a:p>
+            <a:pPr lvl="0">
+              <a:lnSpc>
+                <a:spcPct val="130000"/>
+              </a:lnSpc>
+            </a:pPr>
+            <a:r>
+              <a:rPr lang="en-US" altLang="zh-CN" sz="1600" dirty="0" err="1">
+                <a:solidFill>
+                  <a:prstClr val="white"/>
+                </a:solidFill>
+                <a:latin typeface="微软雅黑" pitchFamily="34" charset="-122"/>
+                <a:ea typeface="微软雅黑" pitchFamily="34" charset="-122"/>
+              </a:rPr>
+              <a:t>userID</a:t>
+            </a:r>
+            <a:r>
+              <a:rPr lang="en-US" altLang="zh-CN" sz="1600" dirty="0">
+                <a:solidFill>
+                  <a:prstClr val="white"/>
+                </a:solidFill>
+                <a:latin typeface="微软雅黑" pitchFamily="34" charset="-122"/>
+                <a:ea typeface="微软雅黑" pitchFamily="34" charset="-122"/>
+              </a:rPr>
+              <a:t>(P)</a:t>
+            </a:r>
+          </a:p>
+          <a:p>
+            <a:pPr lvl="0">
+              <a:lnSpc>
+                <a:spcPct val="130000"/>
+              </a:lnSpc>
+            </a:pPr>
+            <a:r>
+              <a:rPr lang="en-US" altLang="zh-CN" sz="1600" dirty="0" err="1">
+                <a:solidFill>
+                  <a:prstClr val="white"/>
+                </a:solidFill>
+                <a:latin typeface="微软雅黑" pitchFamily="34" charset="-122"/>
+                <a:ea typeface="微软雅黑" pitchFamily="34" charset="-122"/>
+              </a:rPr>
+              <a:t>itemPic</a:t>
             </a:r>
             <a:endParaRPr lang="en-US" altLang="zh-CN" sz="1600" dirty="0">
               <a:solidFill>
@@ -13438,7 +12689,7 @@
                 <a:latin typeface="微软雅黑" pitchFamily="34" charset="-122"/>
                 <a:ea typeface="微软雅黑" pitchFamily="34" charset="-122"/>
               </a:rPr>
-              <a:t>itemTalk</a:t>
+              <a:t>itemState</a:t>
             </a:r>
             <a:endParaRPr lang="en-US" altLang="zh-CN" sz="1600" dirty="0">
               <a:solidFill>
@@ -13462,7 +12713,7 @@
                 <a:latin typeface="微软雅黑" pitchFamily="34" charset="-122"/>
                 <a:ea typeface="微软雅黑" pitchFamily="34" charset="-122"/>
               </a:rPr>
-              <a:t>sendPic</a:t>
+              <a:t>itemTalk</a:t>
             </a:r>
             <a:endParaRPr lang="en-US" altLang="zh-CN" sz="1600" dirty="0">
               <a:solidFill>
@@ -13486,7 +12737,7 @@
                 <a:latin typeface="微软雅黑" pitchFamily="34" charset="-122"/>
                 <a:ea typeface="微软雅黑" pitchFamily="34" charset="-122"/>
               </a:rPr>
-              <a:t>sendState</a:t>
+              <a:t>sendPic</a:t>
             </a:r>
             <a:endParaRPr lang="en-US" altLang="zh-CN" sz="1600" dirty="0">
               <a:solidFill>
@@ -13510,7 +12761,7 @@
                 <a:latin typeface="微软雅黑" pitchFamily="34" charset="-122"/>
                 <a:ea typeface="微软雅黑" pitchFamily="34" charset="-122"/>
               </a:rPr>
-              <a:t>sendTalk</a:t>
+              <a:t>sendState</a:t>
             </a:r>
             <a:endParaRPr lang="en-US" altLang="zh-CN" sz="1600" dirty="0">
               <a:solidFill>
@@ -13534,7 +12785,7 @@
                 <a:latin typeface="微软雅黑" pitchFamily="34" charset="-122"/>
                 <a:ea typeface="微软雅黑" pitchFamily="34" charset="-122"/>
               </a:rPr>
-              <a:t>receiveState</a:t>
+              <a:t>sendTalk</a:t>
             </a:r>
             <a:endParaRPr lang="en-US" altLang="zh-CN" sz="1600" dirty="0">
               <a:solidFill>
@@ -13558,11 +12809,176 @@
                 <a:latin typeface="微软雅黑" pitchFamily="34" charset="-122"/>
                 <a:ea typeface="微软雅黑" pitchFamily="34" charset="-122"/>
               </a:rPr>
-              <a:t>receiveTalk</a:t>
+              <a:t>receiveState</a:t>
             </a:r>
             <a:endParaRPr lang="en-US" altLang="zh-CN" sz="1600" dirty="0">
               <a:solidFill>
                 <a:prstClr val="white"/>
+              </a:solidFill>
+              <a:latin typeface="微软雅黑" pitchFamily="34" charset="-122"/>
+              <a:ea typeface="微软雅黑" pitchFamily="34" charset="-122"/>
+            </a:endParaRPr>
+          </a:p>
+          <a:p>
+            <a:pPr lvl="0">
+              <a:lnSpc>
+                <a:spcPct val="130000"/>
+              </a:lnSpc>
+            </a:pPr>
+            <a:r>
+              <a:rPr lang="en-US" altLang="zh-CN" sz="1600" dirty="0" err="1">
+                <a:solidFill>
+                  <a:prstClr val="white"/>
+                </a:solidFill>
+                <a:latin typeface="微软雅黑" pitchFamily="34" charset="-122"/>
+                <a:ea typeface="微软雅黑" pitchFamily="34" charset="-122"/>
+              </a:rPr>
+              <a:t>receiveTalk</a:t>
+            </a:r>
+            <a:endParaRPr lang="en-US" altLang="zh-CN" sz="1600" dirty="0">
+              <a:solidFill>
+                <a:prstClr val="white"/>
+              </a:solidFill>
+              <a:latin typeface="微软雅黑" pitchFamily="34" charset="-122"/>
+              <a:ea typeface="微软雅黑" pitchFamily="34" charset="-122"/>
+            </a:endParaRPr>
+          </a:p>
+        </p:txBody>
+      </p:sp>
+      <p:sp>
+        <p:nvSpPr>
+          <p:cNvPr id="52" name="矩形 51"/>
+          <p:cNvSpPr/>
+          <p:nvPr/>
+        </p:nvSpPr>
+        <p:spPr>
+          <a:xfrm>
+            <a:off x="6641403" y="3381059"/>
+            <a:ext cx="1868814" cy="1981696"/>
+          </a:xfrm>
+          <a:prstGeom prst="rect">
+            <a:avLst/>
+          </a:prstGeom>
+        </p:spPr>
+        <p:txBody>
+          <a:bodyPr wrap="square">
+            <a:spAutoFit/>
+          </a:bodyPr>
+          <a:lstStyle/>
+          <a:p>
+            <a:pPr>
+              <a:lnSpc>
+                <a:spcPct val="130000"/>
+              </a:lnSpc>
+            </a:pPr>
+            <a:r>
+              <a:rPr lang="en-US" altLang="zh-CN" sz="1600" dirty="0" err="1">
+                <a:solidFill>
+                  <a:schemeClr val="bg1"/>
+                </a:solidFill>
+                <a:latin typeface="微软雅黑" pitchFamily="34" charset="-122"/>
+                <a:ea typeface="微软雅黑" pitchFamily="34" charset="-122"/>
+              </a:rPr>
+              <a:t>scoreID</a:t>
+            </a:r>
+            <a:r>
+              <a:rPr lang="en-US" altLang="zh-CN" sz="1600" dirty="0">
+                <a:solidFill>
+                  <a:schemeClr val="bg1"/>
+                </a:solidFill>
+                <a:latin typeface="微软雅黑" pitchFamily="34" charset="-122"/>
+                <a:ea typeface="微软雅黑" pitchFamily="34" charset="-122"/>
+              </a:rPr>
+              <a:t>(P)</a:t>
+            </a:r>
+          </a:p>
+          <a:p>
+            <a:pPr>
+              <a:lnSpc>
+                <a:spcPct val="130000"/>
+              </a:lnSpc>
+            </a:pPr>
+            <a:r>
+              <a:rPr lang="en-US" altLang="zh-CN" sz="1600" dirty="0">
+                <a:solidFill>
+                  <a:schemeClr val="bg1"/>
+                </a:solidFill>
+                <a:latin typeface="微软雅黑" pitchFamily="34" charset="-122"/>
+                <a:ea typeface="微软雅黑" pitchFamily="34" charset="-122"/>
+              </a:rPr>
+              <a:t>commenter(F)</a:t>
+            </a:r>
+          </a:p>
+          <a:p>
+            <a:pPr>
+              <a:lnSpc>
+                <a:spcPct val="130000"/>
+              </a:lnSpc>
+            </a:pPr>
+            <a:r>
+              <a:rPr lang="en-US" altLang="zh-CN" sz="1600" dirty="0">
+                <a:solidFill>
+                  <a:schemeClr val="bg1"/>
+                </a:solidFill>
+                <a:latin typeface="微软雅黑" pitchFamily="34" charset="-122"/>
+                <a:ea typeface="微软雅黑" pitchFamily="34" charset="-122"/>
+              </a:rPr>
+              <a:t>commented(F)</a:t>
+            </a:r>
+          </a:p>
+          <a:p>
+            <a:pPr>
+              <a:lnSpc>
+                <a:spcPct val="130000"/>
+              </a:lnSpc>
+            </a:pPr>
+            <a:r>
+              <a:rPr lang="en-US" altLang="zh-CN" sz="1600" dirty="0">
+                <a:solidFill>
+                  <a:schemeClr val="bg1"/>
+                </a:solidFill>
+                <a:latin typeface="微软雅黑" pitchFamily="34" charset="-122"/>
+                <a:ea typeface="微软雅黑" pitchFamily="34" charset="-122"/>
+              </a:rPr>
+              <a:t>star</a:t>
+            </a:r>
+          </a:p>
+          <a:p>
+            <a:pPr>
+              <a:lnSpc>
+                <a:spcPct val="130000"/>
+              </a:lnSpc>
+            </a:pPr>
+            <a:r>
+              <a:rPr lang="en-US" altLang="zh-CN" sz="1600" dirty="0">
+                <a:solidFill>
+                  <a:schemeClr val="bg1"/>
+                </a:solidFill>
+                <a:latin typeface="微软雅黑" pitchFamily="34" charset="-122"/>
+                <a:ea typeface="微软雅黑" pitchFamily="34" charset="-122"/>
+              </a:rPr>
+              <a:t>comment</a:t>
+            </a:r>
+          </a:p>
+          <a:p>
+            <a:pPr>
+              <a:lnSpc>
+                <a:spcPct val="130000"/>
+              </a:lnSpc>
+            </a:pPr>
+            <a:r>
+              <a:rPr lang="en-US" altLang="zh-CN" sz="1600" dirty="0">
+                <a:solidFill>
+                  <a:schemeClr val="bg1"/>
+                </a:solidFill>
+                <a:latin typeface="微软雅黑" pitchFamily="34" charset="-122"/>
+                <a:ea typeface="微软雅黑" pitchFamily="34" charset="-122"/>
+              </a:rPr>
+              <a:t>time</a:t>
+            </a:r>
+            <a:endParaRPr lang="en-US" altLang="zh-CN" sz="1600" dirty="0">
+              <a:solidFill>
+                <a:schemeClr val="bg1"/>
               </a:solidFill>
               <a:latin typeface="微软雅黑" pitchFamily="34" charset="-122"/>
               <a:ea typeface="微软雅黑" pitchFamily="34" charset="-122"/>
@@ -13639,54 +13055,6 @@
           </a:prstGeom>
         </p:spPr>
       </p:pic>
-      <p:sp>
-        <p:nvSpPr>
-          <p:cNvPr id="26" name="椭圆 42"/>
-          <p:cNvSpPr/>
-          <p:nvPr/>
-        </p:nvSpPr>
-        <p:spPr>
-          <a:xfrm>
-            <a:off x="8889873" y="4380420"/>
-            <a:ext cx="1111564" cy="1111564"/>
-          </a:xfrm>
-          <a:prstGeom prst="ellipse">
-            <a:avLst/>
-          </a:prstGeom>
-          <a:solidFill>
-            <a:schemeClr val="accent6"/>
-          </a:solidFill>
-          <a:ln>
-            <a:noFill/>
-          </a:ln>
-        </p:spPr>
-        <p:style>
-          <a:lnRef idx="0">
-            <a:scrgbClr r="0" g="0" b="0"/>
-          </a:lnRef>
-          <a:fillRef idx="0">
-            <a:scrgbClr r="0" g="0" b="0"/>
-          </a:fillRef>
-          <a:effectRef idx="0">
-            <a:scrgbClr r="0" g="0" b="0"/>
-          </a:effectRef>
-          <a:fontRef idx="minor">
-            <a:schemeClr val="lt1"/>
-          </a:fontRef>
-        </p:style>
-        <p:txBody>
-          <a:bodyPr rtlCol="0" anchor="ctr"/>
-          <a:lstStyle/>
-          <a:p>
-            <a:pPr algn="ctr"/>
-            <a:r>
-              <a:rPr kumimoji="1" lang="en-US" altLang="zh-CN" sz="4000" b="1" dirty="0" smtClean="0"/>
-              <a:t>10</a:t>
-            </a:r>
-            <a:endParaRPr kumimoji="1" lang="zh-CN" altLang="en-US" sz="4000" b="1" dirty="0"/>
-          </a:p>
-        </p:txBody>
-      </p:sp>
       <p:graphicFrame>
         <p:nvGraphicFramePr>
           <p:cNvPr id="6" name="表格 5"/>
@@ -14088,177 +13456,6 @@
           </a:graphicData>
         </a:graphic>
       </p:graphicFrame>
-      <p:sp>
-        <p:nvSpPr>
-          <p:cNvPr id="28" name="矩形 27"/>
-          <p:cNvSpPr/>
-          <p:nvPr/>
-        </p:nvSpPr>
-        <p:spPr>
-          <a:xfrm>
-            <a:off x="9246732" y="3572747"/>
-            <a:ext cx="1285929" cy="584775"/>
-          </a:xfrm>
-          <a:prstGeom prst="rect">
-            <a:avLst/>
-          </a:prstGeom>
-        </p:spPr>
-        <p:txBody>
-          <a:bodyPr wrap="none">
-            <a:spAutoFit/>
-          </a:bodyPr>
-          <a:lstStyle/>
-          <a:p>
-            <a:r>
-              <a:rPr kumimoji="1" lang="en-US" altLang="zh-CN" sz="3200" b="1" dirty="0" smtClean="0">
-                <a:solidFill>
-                  <a:srgbClr val="FFFFFF"/>
-                </a:solidFill>
-              </a:rPr>
-              <a:t>score</a:t>
-            </a:r>
-            <a:endParaRPr kumimoji="1" lang="en-US" altLang="zh-CN" sz="3200" b="1" dirty="0">
-              <a:solidFill>
-                <a:srgbClr val="FFFFFF"/>
-              </a:solidFill>
-            </a:endParaRPr>
-          </a:p>
-        </p:txBody>
-      </p:sp>
-      <p:sp>
-        <p:nvSpPr>
-          <p:cNvPr id="29" name="矩形 28"/>
-          <p:cNvSpPr/>
-          <p:nvPr/>
-        </p:nvSpPr>
-        <p:spPr>
-          <a:xfrm>
-            <a:off x="8881967" y="1728000"/>
-            <a:ext cx="1660168" cy="2012859"/>
-          </a:xfrm>
-          <a:prstGeom prst="rect">
-            <a:avLst/>
-          </a:prstGeom>
-        </p:spPr>
-        <p:txBody>
-          <a:bodyPr wrap="square">
-            <a:spAutoFit/>
-          </a:bodyPr>
-          <a:lstStyle/>
-          <a:p>
-            <a:pPr>
-              <a:lnSpc>
-                <a:spcPct val="130000"/>
-              </a:lnSpc>
-            </a:pPr>
-            <a:r>
-              <a:rPr lang="en-US" altLang="zh-CN" sz="1600" dirty="0" err="1">
-                <a:solidFill>
-                  <a:schemeClr val="bg1"/>
-                </a:solidFill>
-                <a:latin typeface="微软雅黑" pitchFamily="34" charset="-122"/>
-                <a:ea typeface="微软雅黑" pitchFamily="34" charset="-122"/>
-              </a:rPr>
-              <a:t>scoreID</a:t>
-            </a:r>
-            <a:r>
-              <a:rPr lang="en-US" altLang="zh-CN" sz="1600" dirty="0">
-                <a:solidFill>
-                  <a:schemeClr val="bg1"/>
-                </a:solidFill>
-                <a:latin typeface="微软雅黑" pitchFamily="34" charset="-122"/>
-                <a:ea typeface="微软雅黑" pitchFamily="34" charset="-122"/>
-              </a:rPr>
-              <a:t>(P)</a:t>
-            </a:r>
-          </a:p>
-          <a:p>
-            <a:pPr>
-              <a:lnSpc>
-                <a:spcPct val="130000"/>
-              </a:lnSpc>
-            </a:pPr>
-            <a:r>
-              <a:rPr lang="en-US" altLang="zh-CN" sz="1600" dirty="0">
-                <a:solidFill>
-                  <a:schemeClr val="bg1"/>
-                </a:solidFill>
-                <a:latin typeface="微软雅黑" pitchFamily="34" charset="-122"/>
-                <a:ea typeface="微软雅黑" pitchFamily="34" charset="-122"/>
-              </a:rPr>
-              <a:t>commenter(F)</a:t>
-            </a:r>
-          </a:p>
-          <a:p>
-            <a:pPr>
-              <a:lnSpc>
-                <a:spcPct val="130000"/>
-              </a:lnSpc>
-            </a:pPr>
-            <a:r>
-              <a:rPr lang="en-US" altLang="zh-CN" sz="1600" dirty="0">
-                <a:solidFill>
-                  <a:schemeClr val="bg1"/>
-                </a:solidFill>
-                <a:latin typeface="微软雅黑" pitchFamily="34" charset="-122"/>
-                <a:ea typeface="微软雅黑" pitchFamily="34" charset="-122"/>
-              </a:rPr>
-              <a:t>commented(F)</a:t>
-            </a:r>
-          </a:p>
-          <a:p>
-            <a:pPr>
-              <a:lnSpc>
-                <a:spcPct val="130000"/>
-              </a:lnSpc>
-            </a:pPr>
-            <a:r>
-              <a:rPr lang="en-US" altLang="zh-CN" sz="1600" dirty="0">
-                <a:solidFill>
-                  <a:schemeClr val="bg1"/>
-                </a:solidFill>
-                <a:latin typeface="微软雅黑" pitchFamily="34" charset="-122"/>
-                <a:ea typeface="微软雅黑" pitchFamily="34" charset="-122"/>
-              </a:rPr>
-              <a:t>star</a:t>
-            </a:r>
-          </a:p>
-          <a:p>
-            <a:pPr>
-              <a:lnSpc>
-                <a:spcPct val="130000"/>
-              </a:lnSpc>
-            </a:pPr>
-            <a:r>
-              <a:rPr lang="en-US" altLang="zh-CN" sz="1600" dirty="0">
-                <a:solidFill>
-                  <a:schemeClr val="bg1"/>
-                </a:solidFill>
-                <a:latin typeface="微软雅黑" pitchFamily="34" charset="-122"/>
-                <a:ea typeface="微软雅黑" pitchFamily="34" charset="-122"/>
-              </a:rPr>
-              <a:t>comment</a:t>
-            </a:r>
-          </a:p>
-          <a:p>
-            <a:pPr>
-              <a:lnSpc>
-                <a:spcPct val="130000"/>
-              </a:lnSpc>
-            </a:pPr>
-            <a:r>
-              <a:rPr lang="en-US" altLang="zh-CN" sz="1600" dirty="0">
-                <a:solidFill>
-                  <a:schemeClr val="bg1"/>
-                </a:solidFill>
-                <a:latin typeface="微软雅黑" pitchFamily="34" charset="-122"/>
-                <a:ea typeface="微软雅黑" pitchFamily="34" charset="-122"/>
-              </a:rPr>
-              <a:t>time</a:t>
-            </a:r>
-          </a:p>
-        </p:txBody>
-      </p:sp>
     </p:spTree>
     <p:extLst>
       <p:ext uri="{BB962C8B-B14F-4D97-AF65-F5344CB8AC3E}">
@@ -14823,8 +14020,8 @@
         </p:nvSpPr>
         <p:spPr>
           <a:xfrm>
-            <a:off x="6620036" y="5534449"/>
-            <a:ext cx="2132315" cy="461665"/>
+            <a:off x="7141012" y="5534449"/>
+            <a:ext cx="1090362" cy="461665"/>
           </a:xfrm>
           <a:prstGeom prst="rect">
             <a:avLst/>
@@ -14838,28 +14035,12 @@
           <a:p>
             <a:pPr algn="ctr"/>
             <a:r>
-              <a:rPr kumimoji="1" lang="en-US" altLang="zh-CN" sz="2400" b="1" dirty="0" err="1" smtClean="0">
+              <a:rPr kumimoji="1" lang="en-US" altLang="zh-CN" sz="2400" b="1" dirty="0">
                 <a:solidFill>
                   <a:srgbClr val="FFFFFF"/>
                 </a:solidFill>
               </a:rPr>
-              <a:t>change</a:t>
-            </a:r>
-            <a:r>
-              <a:rPr kumimoji="1" lang="en-US" altLang="zh-TW" sz="2400" b="1" dirty="0" err="1" smtClean="0">
-                <a:solidFill>
-                  <a:srgbClr val="FFFFFF"/>
-                </a:solidFill>
-              </a:rPr>
-              <a:t>P</a:t>
-            </a:r>
-            <a:r>
-              <a:rPr kumimoji="1" lang="en-US" altLang="zh-CN" sz="2400" b="1" dirty="0" err="1" smtClean="0">
-                <a:solidFill>
-                  <a:srgbClr val="FFFFFF"/>
-                </a:solidFill>
-              </a:rPr>
-              <a:t>age</a:t>
+              <a:t>board</a:t>
             </a:r>
             <a:endParaRPr lang="zh-CN" altLang="en-US" sz="2400" dirty="0">
               <a:solidFill>
@@ -15021,8 +14202,8 @@
         </p:nvSpPr>
         <p:spPr>
           <a:xfrm>
-            <a:off x="8319281" y="4994140"/>
-            <a:ext cx="1005404" cy="363176"/>
+            <a:off x="8421873" y="4994140"/>
+            <a:ext cx="800219" cy="344325"/>
           </a:xfrm>
           <a:prstGeom prst="rect">
             <a:avLst/>
@@ -15040,7 +14221,7 @@
               </a:lnSpc>
             </a:pPr>
             <a:r>
-              <a:rPr kumimoji="1" lang="zh-TW" altLang="en-US" sz="1600" b="1" dirty="0" smtClean="0">
+              <a:rPr kumimoji="1" lang="zh-TW" altLang="en-US" sz="1600" b="1" dirty="0">
                 <a:solidFill>
                   <a:schemeClr val="bg1"/>
                 </a:solidFill>
@@ -15048,7 +14229,7 @@
                 <a:ea typeface="微软雅黑"/>
                 <a:cs typeface="微软雅黑"/>
               </a:rPr>
-              <a:t>交換頁面</a:t>
+              <a:t>留言板</a:t>
             </a:r>
             <a:endParaRPr kumimoji="1" lang="zh-CN" altLang="en-US" sz="1600" b="1" dirty="0">
               <a:solidFill>
@@ -15612,8 +14793,8 @@
         </p:nvSpPr>
         <p:spPr>
           <a:xfrm>
-            <a:off x="5629416" y="612000"/>
-            <a:ext cx="1920437" cy="2653034"/>
+            <a:off x="5629416" y="0"/>
+            <a:ext cx="1920437" cy="3293209"/>
           </a:xfrm>
           <a:prstGeom prst="rect">
             <a:avLst/>
@@ -15791,7 +14972,7 @@
               </a:lnSpc>
             </a:pPr>
             <a:r>
-              <a:rPr lang="en-US" altLang="zh-CN" sz="1600" dirty="0" err="1">
+              <a:rPr lang="en-US" altLang="zh-CN" sz="1600" dirty="0" err="1" smtClean="0">
                 <a:solidFill>
                   <a:prstClr val="white"/>
                 </a:solidFill>
@@ -15799,6 +14980,47 @@
                 <a:ea typeface="微软雅黑" pitchFamily="34" charset="-122"/>
               </a:rPr>
               <a:t>maxPeople</a:t>
+            </a:r>
+            <a:endParaRPr lang="en-US" altLang="zh-CN" sz="1600" dirty="0" smtClean="0">
+              <a:solidFill>
+                <a:prstClr val="white"/>
+              </a:solidFill>
+              <a:latin typeface="微软雅黑" pitchFamily="34" charset="-122"/>
+              <a:ea typeface="微软雅黑" pitchFamily="34" charset="-122"/>
+            </a:endParaRPr>
+          </a:p>
+          <a:p>
+            <a:pPr lvl="0">
+              <a:lnSpc>
+                <a:spcPct val="130000"/>
+              </a:lnSpc>
+            </a:pPr>
+            <a:r>
+              <a:rPr lang="en-US" altLang="zh-CN" sz="1600" dirty="0">
+                <a:solidFill>
+                  <a:prstClr val="white"/>
+                </a:solidFill>
+                <a:latin typeface="微软雅黑" pitchFamily="34" charset="-122"/>
+                <a:ea typeface="微软雅黑" pitchFamily="34" charset="-122"/>
+              </a:rPr>
+              <a:t>picture</a:t>
+            </a:r>
+          </a:p>
+          <a:p>
+            <a:pPr lvl="0">
+              <a:lnSpc>
+                <a:spcPct val="130000"/>
+              </a:lnSpc>
+            </a:pPr>
+            <a:r>
+              <a:rPr lang="en-US" altLang="zh-CN" sz="1600" dirty="0" smtClean="0">
+                <a:solidFill>
+                  <a:prstClr val="white"/>
+                </a:solidFill>
+                <a:latin typeface="微软雅黑" pitchFamily="34" charset="-122"/>
+                <a:ea typeface="微软雅黑" pitchFamily="34" charset="-122"/>
+              </a:rPr>
+              <a:t>mention</a:t>
             </a:r>
             <a:endParaRPr lang="en-US" altLang="zh-CN" sz="1600" dirty="0">
               <a:solidFill>
@@ -15887,6 +15109,36 @@
                 <a:spcPct val="130000"/>
               </a:lnSpc>
             </a:pPr>
+            <a:r>
+              <a:rPr lang="en-US" altLang="zh-CN" sz="1600" dirty="0" err="1">
+                <a:solidFill>
+                  <a:prstClr val="white"/>
+                </a:solidFill>
+                <a:latin typeface="微软雅黑" pitchFamily="34" charset="-122"/>
+                <a:ea typeface="微软雅黑" pitchFamily="34" charset="-122"/>
+              </a:rPr>
+              <a:t>boardID</a:t>
+            </a:r>
+            <a:r>
+              <a:rPr lang="en-US" altLang="zh-CN" sz="1600" dirty="0">
+                <a:solidFill>
+                  <a:prstClr val="white"/>
+                </a:solidFill>
+                <a:latin typeface="微软雅黑" pitchFamily="34" charset="-122"/>
+                <a:ea typeface="微软雅黑" pitchFamily="34" charset="-122"/>
+              </a:rPr>
+              <a:t>(P</a:t>
+            </a:r>
+            <a:r>
+              <a:rPr lang="en-US" altLang="zh-CN" sz="1600" dirty="0" smtClean="0">
+                <a:solidFill>
+                  <a:prstClr val="white"/>
+                </a:solidFill>
+                <a:latin typeface="微软雅黑" pitchFamily="34" charset="-122"/>
+                <a:ea typeface="微软雅黑" pitchFamily="34" charset="-122"/>
+              </a:rPr>
+              <a:t>)</a:t>
+            </a:r>
             <a:endParaRPr lang="en-US" altLang="zh-CN" sz="1600" dirty="0" smtClean="0">
               <a:solidFill>
                 <a:prstClr val="white"/>
@@ -15896,92 +15148,95 @@
             </a:endParaRPr>
           </a:p>
           <a:p>
-            <a:pPr lvl="0">
+            <a:pPr>
               <a:lnSpc>
                 <a:spcPct val="130000"/>
               </a:lnSpc>
             </a:pPr>
+            <a:r>
+              <a:rPr lang="en-US" altLang="zh-CN" sz="1600" dirty="0" err="1">
+                <a:solidFill>
+                  <a:schemeClr val="bg1"/>
+                </a:solidFill>
+                <a:latin typeface="微软雅黑" pitchFamily="34" charset="-122"/>
+                <a:ea typeface="微软雅黑" pitchFamily="34" charset="-122"/>
+              </a:rPr>
+              <a:t>changeID</a:t>
+            </a:r>
+            <a:r>
+              <a:rPr lang="en-US" altLang="zh-CN" sz="1600" dirty="0">
+                <a:solidFill>
+                  <a:schemeClr val="bg1"/>
+                </a:solidFill>
+                <a:latin typeface="微软雅黑" pitchFamily="34" charset="-122"/>
+                <a:ea typeface="微软雅黑" pitchFamily="34" charset="-122"/>
+              </a:rPr>
+              <a:t>(F)</a:t>
+            </a:r>
+          </a:p>
+          <a:p>
+            <a:pPr>
+              <a:lnSpc>
+                <a:spcPct val="130000"/>
+              </a:lnSpc>
+            </a:pPr>
+            <a:r>
+              <a:rPr lang="en-US" altLang="zh-CN" sz="1600" dirty="0" err="1">
+                <a:solidFill>
+                  <a:schemeClr val="bg1"/>
+                </a:solidFill>
+                <a:latin typeface="微软雅黑" pitchFamily="34" charset="-122"/>
+                <a:ea typeface="微软雅黑" pitchFamily="34" charset="-122"/>
+              </a:rPr>
+              <a:t>userID</a:t>
+            </a:r>
+            <a:r>
+              <a:rPr lang="en-US" altLang="zh-CN" sz="1600" dirty="0">
+                <a:solidFill>
+                  <a:schemeClr val="bg1"/>
+                </a:solidFill>
+                <a:latin typeface="微软雅黑" pitchFamily="34" charset="-122"/>
+                <a:ea typeface="微软雅黑" pitchFamily="34" charset="-122"/>
+              </a:rPr>
+              <a:t>(F)</a:t>
+            </a:r>
+          </a:p>
+          <a:p>
+            <a:pPr>
+              <a:lnSpc>
+                <a:spcPct val="130000"/>
+              </a:lnSpc>
+            </a:pPr>
+            <a:r>
+              <a:rPr lang="en-US" altLang="zh-CN" sz="1600" dirty="0">
+                <a:solidFill>
+                  <a:schemeClr val="bg1"/>
+                </a:solidFill>
+                <a:latin typeface="微软雅黑" pitchFamily="34" charset="-122"/>
+                <a:ea typeface="微软雅黑" pitchFamily="34" charset="-122"/>
+              </a:rPr>
+              <a:t>content</a:t>
+            </a:r>
+          </a:p>
+          <a:p>
+            <a:pPr>
+              <a:lnSpc>
+                <a:spcPct val="130000"/>
+              </a:lnSpc>
+            </a:pPr>
+            <a:r>
+              <a:rPr lang="en-US" altLang="zh-CN" sz="1600" dirty="0">
+                <a:solidFill>
+                  <a:schemeClr val="bg1"/>
+                </a:solidFill>
+                <a:latin typeface="微软雅黑" pitchFamily="34" charset="-122"/>
+                <a:ea typeface="微软雅黑" pitchFamily="34" charset="-122"/>
+              </a:rPr>
+              <a:t>time</a:t>
+            </a:r>
             <a:endParaRPr lang="en-US" altLang="zh-CN" sz="1600" dirty="0">
               <a:solidFill>
-                <a:prstClr val="white"/>
-              </a:solidFill>
-              <a:latin typeface="微软雅黑" pitchFamily="34" charset="-122"/>
-              <a:ea typeface="微软雅黑" pitchFamily="34" charset="-122"/>
-            </a:endParaRPr>
-          </a:p>
-          <a:p>
-            <a:pPr lvl="0">
-              <a:lnSpc>
-                <a:spcPct val="130000"/>
-              </a:lnSpc>
-            </a:pPr>
-            <a:r>
-              <a:rPr lang="en-US" altLang="zh-CN" sz="1600" dirty="0" err="1" smtClean="0">
-                <a:solidFill>
-                  <a:prstClr val="white"/>
-                </a:solidFill>
-                <a:latin typeface="微软雅黑" pitchFamily="34" charset="-122"/>
-                <a:ea typeface="微软雅黑" pitchFamily="34" charset="-122"/>
-              </a:rPr>
-              <a:t>changeID</a:t>
-            </a:r>
-            <a:r>
-              <a:rPr lang="en-US" altLang="zh-CN" sz="1600" dirty="0" smtClean="0">
-                <a:solidFill>
-                  <a:prstClr val="white"/>
-                </a:solidFill>
-                <a:latin typeface="微软雅黑" pitchFamily="34" charset="-122"/>
-                <a:ea typeface="微软雅黑" pitchFamily="34" charset="-122"/>
-              </a:rPr>
-              <a:t>(P</a:t>
-            </a:r>
-            <a:r>
-              <a:rPr lang="en-US" altLang="zh-CN" sz="1600" dirty="0">
-                <a:solidFill>
-                  <a:prstClr val="white"/>
-                </a:solidFill>
-                <a:latin typeface="微软雅黑" pitchFamily="34" charset="-122"/>
-                <a:ea typeface="微软雅黑" pitchFamily="34" charset="-122"/>
-              </a:rPr>
-              <a:t>)</a:t>
-            </a:r>
-          </a:p>
-          <a:p>
-            <a:pPr lvl="0">
-              <a:lnSpc>
-                <a:spcPct val="130000"/>
-              </a:lnSpc>
-            </a:pPr>
-            <a:r>
-              <a:rPr lang="en-US" altLang="zh-CN" sz="1600" dirty="0">
-                <a:solidFill>
-                  <a:prstClr val="white"/>
-                </a:solidFill>
-                <a:latin typeface="微软雅黑" pitchFamily="34" charset="-122"/>
-                <a:ea typeface="微软雅黑" pitchFamily="34" charset="-122"/>
-              </a:rPr>
-              <a:t>picture</a:t>
-            </a:r>
-          </a:p>
-          <a:p>
-            <a:pPr lvl="0">
-              <a:lnSpc>
-                <a:spcPct val="130000"/>
-              </a:lnSpc>
-            </a:pPr>
-            <a:r>
-              <a:rPr lang="en-US" altLang="zh-CN" sz="1600" dirty="0" smtClean="0">
-                <a:solidFill>
-                  <a:prstClr val="white"/>
-                </a:solidFill>
-                <a:latin typeface="微软雅黑" pitchFamily="34" charset="-122"/>
-                <a:ea typeface="微软雅黑" pitchFamily="34" charset="-122"/>
-              </a:rPr>
-              <a:t>mention</a:t>
-            </a:r>
-            <a:endParaRPr lang="en-US" altLang="zh-CN" sz="1600" dirty="0">
-              <a:solidFill>
-                <a:prstClr val="white"/>
+                <a:schemeClr val="bg1"/>
               </a:solidFill>
               <a:latin typeface="微软雅黑" pitchFamily="34" charset="-122"/>
               <a:ea typeface="微软雅黑" pitchFamily="34" charset="-122"/>
@@ -16478,8 +15733,8 @@
         </p:nvSpPr>
         <p:spPr>
           <a:xfrm>
-            <a:off x="550531" y="5534449"/>
-            <a:ext cx="1090362" cy="461665"/>
+            <a:off x="200274" y="5534449"/>
+            <a:ext cx="1790876" cy="461665"/>
           </a:xfrm>
           <a:prstGeom prst="rect">
             <a:avLst/>
@@ -16493,12 +15748,20 @@
           <a:p>
             <a:pPr algn="ctr"/>
             <a:r>
-              <a:rPr kumimoji="1" lang="en-US" altLang="zh-CN" sz="2400" b="1" dirty="0" smtClean="0">
+              <a:rPr kumimoji="1" lang="en-US" altLang="zh-CN" sz="2400" b="1" dirty="0" err="1">
                 <a:solidFill>
                   <a:srgbClr val="FFFFFF"/>
                 </a:solidFill>
               </a:rPr>
-              <a:t>board</a:t>
+              <a:t>change</a:t>
+            </a:r>
+            <a:r>
+              <a:rPr kumimoji="1" lang="en-US" altLang="zh-TW" sz="2400" b="1" dirty="0" err="1">
+                <a:solidFill>
+                  <a:srgbClr val="FFFFFF"/>
+                </a:solidFill>
+              </a:rPr>
+              <a:t>List</a:t>
             </a:r>
             <a:endParaRPr lang="zh-CN" altLang="en-US" sz="2400" dirty="0">
               <a:solidFill>
@@ -16516,8 +15779,8 @@
         </p:nvSpPr>
         <p:spPr>
           <a:xfrm>
-            <a:off x="2401059" y="5534449"/>
-            <a:ext cx="1790875" cy="461665"/>
+            <a:off x="2264804" y="5534449"/>
+            <a:ext cx="2063385" cy="461665"/>
           </a:xfrm>
           <a:prstGeom prst="rect">
             <a:avLst/>
@@ -16531,7 +15794,7 @@
           <a:p>
             <a:pPr algn="ctr"/>
             <a:r>
-              <a:rPr kumimoji="1" lang="en-US" altLang="zh-CN" sz="2400" b="1" dirty="0" err="1" smtClean="0">
+              <a:rPr kumimoji="1" lang="en-US" altLang="zh-CN" sz="2400" b="1" dirty="0" err="1">
                 <a:solidFill>
                   <a:srgbClr val="FFFFFF"/>
                 </a:solidFill>
@@ -16539,12 +15802,12 @@
               <a:t>change</a:t>
             </a:r>
             <a:r>
-              <a:rPr kumimoji="1" lang="en-US" altLang="zh-TW" sz="2400" b="1" dirty="0" err="1" smtClean="0">
+              <a:rPr kumimoji="1" lang="en-US" altLang="zh-TW" sz="2400" b="1" dirty="0" err="1">
                 <a:solidFill>
                   <a:srgbClr val="FFFFFF"/>
                 </a:solidFill>
               </a:rPr>
-              <a:t>List</a:t>
+              <a:t>Type</a:t>
             </a:r>
             <a:endParaRPr lang="zh-CN" altLang="en-US" sz="2400" dirty="0">
               <a:solidFill>
@@ -16563,7 +15826,7 @@
         <p:spPr>
           <a:xfrm>
             <a:off x="4572000" y="5534449"/>
-            <a:ext cx="2063385" cy="461665"/>
+            <a:ext cx="1322798" cy="461665"/>
           </a:xfrm>
           <a:prstGeom prst="rect">
             <a:avLst/>
@@ -16575,22 +15838,51 @@
           </a:bodyPr>
           <a:lstStyle/>
           <a:p>
+            <a:r>
+              <a:rPr kumimoji="1" lang="en-US" altLang="zh-CN" sz="2400" b="1" dirty="0">
+                <a:solidFill>
+                  <a:srgbClr val="FFFFFF"/>
+                </a:solidFill>
+              </a:rPr>
+              <a:t>whisper</a:t>
+            </a:r>
+            <a:endParaRPr kumimoji="1" lang="en-US" altLang="zh-CN" sz="2400" b="1" dirty="0">
+              <a:solidFill>
+                <a:srgbClr val="FFFFFF"/>
+              </a:solidFill>
+            </a:endParaRPr>
+          </a:p>
+        </p:txBody>
+      </p:sp>
+      <p:sp>
+        <p:nvSpPr>
+          <p:cNvPr id="31" name="矩形 30"/>
+          <p:cNvSpPr/>
+          <p:nvPr/>
+        </p:nvSpPr>
+        <p:spPr>
+          <a:xfrm>
+            <a:off x="7321094" y="5534449"/>
+            <a:ext cx="1008609" cy="461665"/>
+          </a:xfrm>
+          <a:prstGeom prst="rect">
+            <a:avLst/>
+          </a:prstGeom>
+        </p:spPr>
+        <p:txBody>
+          <a:bodyPr wrap="none">
+            <a:spAutoFit/>
+          </a:bodyPr>
+          <a:lstStyle/>
+          <a:p>
             <a:pPr algn="ctr"/>
             <a:r>
-              <a:rPr kumimoji="1" lang="en-US" altLang="zh-CN" sz="2400" b="1" dirty="0" err="1" smtClean="0">
+              <a:rPr kumimoji="1" lang="en-US" altLang="zh-CN" sz="2400" b="1" dirty="0">
                 <a:solidFill>
                   <a:srgbClr val="FFFFFF"/>
                 </a:solidFill>
               </a:rPr>
-              <a:t>change</a:t>
-            </a:r>
-            <a:r>
-              <a:rPr kumimoji="1" lang="en-US" altLang="zh-TW" sz="2400" b="1" dirty="0" err="1" smtClean="0">
-                <a:solidFill>
-                  <a:srgbClr val="FFFFFF"/>
-                </a:solidFill>
-              </a:rPr>
-              <a:t>Type</a:t>
+              <a:t>score</a:t>
             </a:r>
             <a:endParaRPr lang="zh-CN" altLang="en-US" sz="2400" dirty="0">
               <a:solidFill>
@@ -16602,14 +15894,14 @@
       </p:sp>
       <p:sp>
         <p:nvSpPr>
-          <p:cNvPr id="31" name="矩形 30"/>
+          <p:cNvPr id="32" name="矩形 31"/>
           <p:cNvSpPr/>
           <p:nvPr/>
         </p:nvSpPr>
         <p:spPr>
           <a:xfrm>
-            <a:off x="7164000" y="5534449"/>
-            <a:ext cx="1322798" cy="461665"/>
+            <a:off x="1675714" y="4994140"/>
+            <a:ext cx="1005403" cy="344325"/>
           </a:xfrm>
           <a:prstGeom prst="rect">
             <a:avLst/>
@@ -16621,50 +15913,13 @@
           </a:bodyPr>
           <a:lstStyle/>
           <a:p>
-            <a:r>
-              <a:rPr kumimoji="1" lang="en-US" altLang="zh-CN" sz="2400" b="1" dirty="0">
-                <a:solidFill>
-                  <a:srgbClr val="FFFFFF"/>
-                </a:solidFill>
-              </a:rPr>
-              <a:t>whisper</a:t>
-            </a:r>
-            <a:endParaRPr kumimoji="1" lang="en-US" altLang="zh-CN" sz="2400" b="1" dirty="0">
-              <a:solidFill>
-                <a:srgbClr val="FFFFFF"/>
-              </a:solidFill>
-            </a:endParaRPr>
-          </a:p>
-        </p:txBody>
-      </p:sp>
-      <p:sp>
-        <p:nvSpPr>
-          <p:cNvPr id="32" name="矩形 31"/>
-          <p:cNvSpPr/>
-          <p:nvPr/>
-        </p:nvSpPr>
-        <p:spPr>
-          <a:xfrm>
-            <a:off x="1778306" y="4994140"/>
-            <a:ext cx="800219" cy="363176"/>
-          </a:xfrm>
-          <a:prstGeom prst="rect">
-            <a:avLst/>
-          </a:prstGeom>
-        </p:spPr>
-        <p:txBody>
-          <a:bodyPr wrap="none">
-            <a:spAutoFit/>
-          </a:bodyPr>
-          <a:lstStyle/>
-          <a:p>
             <a:pPr algn="ctr">
               <a:lnSpc>
                 <a:spcPct val="110000"/>
               </a:lnSpc>
             </a:pPr>
             <a:r>
-              <a:rPr kumimoji="1" lang="zh-TW" altLang="en-US" sz="1600" b="1" dirty="0" smtClean="0">
+              <a:rPr kumimoji="1" lang="zh-TW" altLang="en-US" sz="1600" b="1" dirty="0">
                 <a:solidFill>
                   <a:schemeClr val="bg1"/>
                 </a:solidFill>
@@ -16672,18 +15927,7 @@
                 <a:ea typeface="微软雅黑"/>
                 <a:cs typeface="微软雅黑"/>
               </a:rPr>
-              <a:t>留言</a:t>
-            </a:r>
-            <a:r>
-              <a:rPr kumimoji="1" lang="zh-TW" altLang="en-US" sz="1600" b="1" dirty="0">
-                <a:solidFill>
-                  <a:schemeClr val="bg1"/>
-                </a:solidFill>
-                <a:latin typeface="微软雅黑"/>
-                <a:ea typeface="微软雅黑"/>
-                <a:cs typeface="微软雅黑"/>
-              </a:rPr>
-              <a:t>板</a:t>
+              <a:t>交換地址</a:t>
             </a:r>
             <a:endParaRPr kumimoji="1" lang="zh-CN" altLang="en-US" sz="1600" b="1" dirty="0">
               <a:solidFill>
@@ -16705,7 +15949,7 @@
         <p:spPr>
           <a:xfrm>
             <a:off x="3890238" y="4994140"/>
-            <a:ext cx="1005404" cy="363176"/>
+            <a:ext cx="1005403" cy="344325"/>
           </a:xfrm>
           <a:prstGeom prst="rect">
             <a:avLst/>
@@ -16723,7 +15967,7 @@
               </a:lnSpc>
             </a:pPr>
             <a:r>
-              <a:rPr kumimoji="1" lang="zh-TW" altLang="en-US" sz="1600" b="1" dirty="0" smtClean="0">
+              <a:rPr kumimoji="1" lang="zh-TW" altLang="en-US" sz="1600" b="1" dirty="0">
                 <a:solidFill>
                   <a:schemeClr val="bg1"/>
                 </a:solidFill>
@@ -16731,18 +15975,7 @@
                 <a:ea typeface="微软雅黑"/>
                 <a:cs typeface="微软雅黑"/>
               </a:rPr>
-              <a:t>交換</a:t>
-            </a:r>
-            <a:r>
-              <a:rPr kumimoji="1" lang="zh-TW" altLang="en-US" sz="1600" b="1" dirty="0">
-                <a:solidFill>
-                  <a:schemeClr val="bg1"/>
-                </a:solidFill>
-                <a:latin typeface="微软雅黑"/>
-                <a:ea typeface="微软雅黑"/>
-                <a:cs typeface="微软雅黑"/>
-              </a:rPr>
-              <a:t>地址</a:t>
+              <a:t>交換類別</a:t>
             </a:r>
             <a:endParaRPr kumimoji="1" lang="zh-CN" altLang="en-US" sz="1600" b="1" dirty="0">
               <a:solidFill>
@@ -16763,8 +15996,8 @@
         </p:nvSpPr>
         <p:spPr>
           <a:xfrm>
-            <a:off x="6104758" y="4994140"/>
-            <a:ext cx="1005404" cy="363176"/>
+            <a:off x="6309942" y="4994140"/>
+            <a:ext cx="595035" cy="344325"/>
           </a:xfrm>
           <a:prstGeom prst="rect">
             <a:avLst/>
@@ -16782,7 +16015,7 @@
               </a:lnSpc>
             </a:pPr>
             <a:r>
-              <a:rPr kumimoji="1" lang="zh-TW" altLang="en-US" sz="1600" b="1" dirty="0" smtClean="0">
+              <a:rPr kumimoji="1" lang="zh-TW" altLang="en-US" sz="1600" b="1" dirty="0">
                 <a:solidFill>
                   <a:schemeClr val="bg1"/>
                 </a:solidFill>
@@ -16790,29 +16023,7 @@
                 <a:ea typeface="微软雅黑"/>
                 <a:cs typeface="微软雅黑"/>
               </a:rPr>
-              <a:t>交換</a:t>
-            </a:r>
-            <a:r>
-              <a:rPr kumimoji="1" lang="zh-TW" altLang="en-US" sz="1600" b="1" dirty="0" smtClean="0">
-                <a:solidFill>
-                  <a:schemeClr val="bg1"/>
-                </a:solidFill>
-                <a:latin typeface="微软雅黑"/>
-                <a:ea typeface="微软雅黑"/>
-                <a:cs typeface="微软雅黑"/>
-              </a:rPr>
-              <a:t>類</a:t>
-            </a:r>
-            <a:r>
-              <a:rPr kumimoji="1" lang="zh-TW" altLang="en-US" sz="1600" b="1" dirty="0">
-                <a:solidFill>
-                  <a:schemeClr val="bg1"/>
-                </a:solidFill>
-                <a:latin typeface="微软雅黑"/>
-                <a:ea typeface="微软雅黑"/>
-                <a:cs typeface="微软雅黑"/>
-              </a:rPr>
-              <a:t>別</a:t>
+              <a:t>訊息</a:t>
             </a:r>
             <a:endParaRPr kumimoji="1" lang="zh-CN" altLang="en-US" sz="1600" b="1" dirty="0">
               <a:solidFill>
@@ -16833,8 +16044,8 @@
         </p:nvSpPr>
         <p:spPr>
           <a:xfrm>
-            <a:off x="8524466" y="4994140"/>
-            <a:ext cx="595035" cy="363176"/>
+            <a:off x="8524465" y="4994140"/>
+            <a:ext cx="595035" cy="344325"/>
           </a:xfrm>
           <a:prstGeom prst="rect">
             <a:avLst/>
@@ -16852,7 +16063,7 @@
               </a:lnSpc>
             </a:pPr>
             <a:r>
-              <a:rPr kumimoji="1" lang="zh-TW" altLang="en-US" sz="1600" b="1" dirty="0" smtClean="0">
+              <a:rPr kumimoji="1" lang="zh-TW" altLang="en-US" sz="1600" b="1" dirty="0">
                 <a:solidFill>
                   <a:schemeClr val="bg1"/>
                 </a:solidFill>
@@ -16860,7 +16071,7 @@
                 <a:ea typeface="微软雅黑"/>
                 <a:cs typeface="微软雅黑"/>
               </a:rPr>
-              <a:t>訊息</a:t>
+              <a:t>評分</a:t>
             </a:r>
             <a:endParaRPr kumimoji="1" lang="zh-CN" altLang="en-US" sz="1600" b="1" dirty="0">
               <a:solidFill>
@@ -17038,7 +16249,7 @@
                 <a:latin typeface="微软雅黑" pitchFamily="34" charset="-122"/>
                 <a:ea typeface="微软雅黑" pitchFamily="34" charset="-122"/>
               </a:rPr>
-              <a:t>(F)</a:t>
+              <a:t>(P)</a:t>
             </a:r>
           </a:p>
           <a:p>
@@ -17048,32 +16259,32 @@
               </a:lnSpc>
             </a:pPr>
             <a:r>
-              <a:rPr lang="en-US" altLang="zh-CN" sz="1600" dirty="0" err="1">
+              <a:rPr lang="en-US" altLang="zh-CN" sz="1600" dirty="0">
                 <a:solidFill>
                   <a:schemeClr val="bg1"/>
                 </a:solidFill>
                 <a:latin typeface="微软雅黑" pitchFamily="34" charset="-122"/>
                 <a:ea typeface="微软雅黑" pitchFamily="34" charset="-122"/>
               </a:rPr>
-              <a:t>userID</a:t>
-            </a:r>
-            <a:r>
-              <a:rPr lang="en-US" altLang="zh-CN" sz="1600" dirty="0">
+              <a:t>sender(P)</a:t>
+            </a:r>
+          </a:p>
+          <a:p>
+            <a:pPr>
+              <a:lnSpc>
+                <a:spcPct val="130000"/>
+              </a:lnSpc>
+            </a:pPr>
+            <a:r>
+              <a:rPr lang="en-US" altLang="zh-CN" sz="1600" dirty="0" err="1">
                 <a:solidFill>
                   <a:schemeClr val="bg1"/>
                 </a:solidFill>
                 <a:latin typeface="微软雅黑" pitchFamily="34" charset="-122"/>
                 <a:ea typeface="微软雅黑" pitchFamily="34" charset="-122"/>
               </a:rPr>
-              <a:t>(F)</a:t>
-            </a:r>
-          </a:p>
-          <a:p>
-            <a:pPr>
-              <a:lnSpc>
-                <a:spcPct val="130000"/>
-              </a:lnSpc>
-            </a:pPr>
+              <a:t>reciever</a:t>
+            </a:r>
             <a:r>
               <a:rPr lang="en-US" altLang="zh-CN" sz="1600" dirty="0">
                 <a:solidFill>
@@ -17082,7 +16293,7 @@
                 <a:latin typeface="微软雅黑" pitchFamily="34" charset="-122"/>
                 <a:ea typeface="微软雅黑" pitchFamily="34" charset="-122"/>
               </a:rPr>
-              <a:t>content</a:t>
+              <a:t>(F)</a:t>
             </a:r>
           </a:p>
           <a:p>
@@ -17099,7 +16310,7 @@
                 <a:latin typeface="微软雅黑" pitchFamily="34" charset="-122"/>
                 <a:ea typeface="微软雅黑" pitchFamily="34" charset="-122"/>
               </a:rPr>
-              <a:t>time</a:t>
+              <a:t>address</a:t>
             </a:r>
             <a:endParaRPr lang="en-US" altLang="zh-CN" sz="1600" dirty="0">
               <a:solidFill>
@@ -17171,7 +16382,7 @@
         <p:spPr>
           <a:xfrm>
             <a:off x="3450548" y="2314652"/>
-            <a:ext cx="1920437" cy="1372683"/>
+            <a:ext cx="1920437" cy="1341521"/>
           </a:xfrm>
           <a:prstGeom prst="rect">
             <a:avLst/>
@@ -17183,25 +16394,39 @@
           </a:bodyPr>
           <a:lstStyle/>
           <a:p>
-            <a:pPr>
+            <a:pPr lvl="0">
               <a:lnSpc>
                 <a:spcPct val="130000"/>
               </a:lnSpc>
             </a:pPr>
+            <a:endParaRPr lang="en-US" altLang="zh-CN" sz="1600" dirty="0" smtClean="0">
+              <a:solidFill>
+                <a:prstClr val="white"/>
+              </a:solidFill>
+              <a:latin typeface="微软雅黑" pitchFamily="34" charset="-122"/>
+              <a:ea typeface="微软雅黑" pitchFamily="34" charset="-122"/>
+            </a:endParaRPr>
+          </a:p>
+          <a:p>
+            <a:pPr lvl="0">
+              <a:lnSpc>
+                <a:spcPct val="130000"/>
+              </a:lnSpc>
+            </a:pPr>
             <a:r>
               <a:rPr lang="en-US" altLang="zh-CN" sz="1600" dirty="0" err="1" smtClean="0">
                 <a:solidFill>
-                  <a:schemeClr val="bg1"/>
+                  <a:prstClr val="white"/>
                 </a:solidFill>
                 <a:latin typeface="微软雅黑" pitchFamily="34" charset="-122"/>
                 <a:ea typeface="微软雅黑" pitchFamily="34" charset="-122"/>
               </a:rPr>
-              <a:t>changeID</a:t>
+              <a:t>typeID</a:t>
             </a:r>
             <a:r>
               <a:rPr lang="en-US" altLang="zh-CN" sz="1600" dirty="0" smtClean="0">
                 <a:solidFill>
-                  <a:schemeClr val="bg1"/>
+                  <a:prstClr val="white"/>
                 </a:solidFill>
                 <a:latin typeface="微软雅黑" pitchFamily="34" charset="-122"/>
                 <a:ea typeface="微软雅黑" pitchFamily="34" charset="-122"/>
@@ -17211,7 +16436,7 @@
             <a:r>
               <a:rPr lang="en-US" altLang="zh-CN" sz="1600" dirty="0">
                 <a:solidFill>
-                  <a:schemeClr val="bg1"/>
+                  <a:prstClr val="white"/>
                 </a:solidFill>
                 <a:latin typeface="微软雅黑" pitchFamily="34" charset="-122"/>
                 <a:ea typeface="微软雅黑" pitchFamily="34" charset="-122"/>
@@ -17220,24 +16445,31 @@
             </a:r>
           </a:p>
           <a:p>
-            <a:pPr>
+            <a:pPr lvl="0">
               <a:lnSpc>
                 <a:spcPct val="130000"/>
               </a:lnSpc>
             </a:pPr>
             <a:r>
-              <a:rPr lang="en-US" altLang="zh-CN" sz="1600" dirty="0">
-                <a:solidFill>
-                  <a:schemeClr val="bg1"/>
+              <a:rPr lang="en-US" altLang="zh-CN" sz="1600" dirty="0" err="1">
+                <a:solidFill>
+                  <a:prstClr val="white"/>
                 </a:solidFill>
                 <a:latin typeface="微软雅黑" pitchFamily="34" charset="-122"/>
                 <a:ea typeface="微软雅黑" pitchFamily="34" charset="-122"/>
               </a:rPr>
-              <a:t>sender(P)</a:t>
-            </a:r>
-          </a:p>
-          <a:p>
-            <a:pPr>
+              <a:t>typeName</a:t>
+            </a:r>
+            <a:endParaRPr lang="en-US" altLang="zh-CN" sz="1600" dirty="0">
+              <a:solidFill>
+                <a:prstClr val="white"/>
+              </a:solidFill>
+              <a:latin typeface="微软雅黑" pitchFamily="34" charset="-122"/>
+              <a:ea typeface="微软雅黑" pitchFamily="34" charset="-122"/>
+            </a:endParaRPr>
+          </a:p>
+          <a:p>
+            <a:pPr lvl="0">
               <a:lnSpc>
                 <a:spcPct val="130000"/>
               </a:lnSpc>
@@ -17245,43 +16477,16 @@
             <a:r>
               <a:rPr lang="en-US" altLang="zh-CN" sz="1600" dirty="0" err="1">
                 <a:solidFill>
-                  <a:schemeClr val="bg1"/>
+                  <a:prstClr val="white"/>
                 </a:solidFill>
                 <a:latin typeface="微软雅黑" pitchFamily="34" charset="-122"/>
                 <a:ea typeface="微软雅黑" pitchFamily="34" charset="-122"/>
               </a:rPr>
-              <a:t>reciever</a:t>
-            </a:r>
-            <a:r>
-              <a:rPr lang="en-US" altLang="zh-CN" sz="1600" dirty="0">
-                <a:solidFill>
-                  <a:schemeClr val="bg1"/>
-                </a:solidFill>
-                <a:latin typeface="微软雅黑" pitchFamily="34" charset="-122"/>
-                <a:ea typeface="微软雅黑" pitchFamily="34" charset="-122"/>
-              </a:rPr>
-              <a:t>(F)</a:t>
-            </a:r>
-          </a:p>
-          <a:p>
-            <a:pPr>
-              <a:lnSpc>
-                <a:spcPct val="130000"/>
-              </a:lnSpc>
-            </a:pPr>
-            <a:r>
-              <a:rPr lang="en-US" altLang="zh-CN" sz="1600" dirty="0">
-                <a:solidFill>
-                  <a:schemeClr val="bg1"/>
-                </a:solidFill>
-                <a:latin typeface="微软雅黑" pitchFamily="34" charset="-122"/>
-                <a:ea typeface="微软雅黑" pitchFamily="34" charset="-122"/>
-              </a:rPr>
-              <a:t>address</a:t>
+              <a:t>defaultPicture</a:t>
             </a:r>
             <a:endParaRPr lang="en-US" altLang="zh-CN" sz="1600" dirty="0">
               <a:solidFill>
-                <a:schemeClr val="bg1"/>
+                <a:prstClr val="white"/>
               </a:solidFill>
               <a:latin typeface="微软雅黑" pitchFamily="34" charset="-122"/>
               <a:ea typeface="微软雅黑" pitchFamily="34" charset="-122"/>
@@ -17396,34 +16601,6 @@
                 <a:spcPct val="130000"/>
               </a:lnSpc>
             </a:pPr>
-            <a:endParaRPr lang="en-US" altLang="zh-CN" sz="1600" dirty="0" smtClean="0">
-              <a:solidFill>
-                <a:prstClr val="white"/>
-              </a:solidFill>
-              <a:latin typeface="微软雅黑" pitchFamily="34" charset="-122"/>
-              <a:ea typeface="微软雅黑" pitchFamily="34" charset="-122"/>
-            </a:endParaRPr>
-          </a:p>
-          <a:p>
-            <a:pPr lvl="0">
-              <a:lnSpc>
-                <a:spcPct val="130000"/>
-              </a:lnSpc>
-            </a:pPr>
-            <a:endParaRPr lang="en-US" altLang="zh-CN" sz="1600" dirty="0" smtClean="0">
-              <a:solidFill>
-                <a:prstClr val="white"/>
-              </a:solidFill>
-              <a:latin typeface="微软雅黑" pitchFamily="34" charset="-122"/>
-              <a:ea typeface="微软雅黑" pitchFamily="34" charset="-122"/>
-            </a:endParaRPr>
-          </a:p>
-          <a:p>
-            <a:pPr lvl="0">
-              <a:lnSpc>
-                <a:spcPct val="130000"/>
-              </a:lnSpc>
-            </a:pPr>
             <a:r>
               <a:rPr lang="en-US" altLang="zh-CN" sz="1600" dirty="0" err="1">
                 <a:solidFill>
@@ -17432,7 +16609,7 @@
                 <a:latin typeface="微软雅黑" pitchFamily="34" charset="-122"/>
                 <a:ea typeface="微软雅黑" pitchFamily="34" charset="-122"/>
               </a:rPr>
-              <a:t>typeID</a:t>
+              <a:t>whisperID</a:t>
             </a:r>
             <a:r>
               <a:rPr lang="en-US" altLang="zh-CN" sz="1600" dirty="0">
@@ -17452,22 +16629,15 @@
               </a:lnSpc>
             </a:pPr>
             <a:r>
-              <a:rPr lang="en-US" altLang="zh-CN" sz="1600" dirty="0" err="1">
+              <a:rPr lang="en-US" altLang="zh-CN" sz="1600" dirty="0">
                 <a:solidFill>
                   <a:prstClr val="white"/>
                 </a:solidFill>
                 <a:latin typeface="微软雅黑" pitchFamily="34" charset="-122"/>
                 <a:ea typeface="微软雅黑" pitchFamily="34" charset="-122"/>
               </a:rPr>
-              <a:t>typeName</a:t>
-            </a:r>
-            <a:endParaRPr lang="en-US" altLang="zh-CN" sz="1600" dirty="0">
-              <a:solidFill>
-                <a:prstClr val="white"/>
-              </a:solidFill>
-              <a:latin typeface="微软雅黑" pitchFamily="34" charset="-122"/>
-              <a:ea typeface="微软雅黑" pitchFamily="34" charset="-122"/>
-            </a:endParaRPr>
+              <a:t>sender(F)</a:t>
+            </a:r>
           </a:p>
           <a:p>
             <a:pPr lvl="0">
@@ -17476,14 +16646,48 @@
               </a:lnSpc>
             </a:pPr>
             <a:r>
-              <a:rPr lang="en-US" altLang="zh-CN" sz="1600" dirty="0" err="1">
+              <a:rPr lang="en-US" altLang="zh-CN" sz="1600" dirty="0">
                 <a:solidFill>
                   <a:prstClr val="white"/>
                 </a:solidFill>
                 <a:latin typeface="微软雅黑" pitchFamily="34" charset="-122"/>
                 <a:ea typeface="微软雅黑" pitchFamily="34" charset="-122"/>
               </a:rPr>
-              <a:t>defaultPicture</a:t>
+              <a:t>receiver(F)</a:t>
+            </a:r>
+          </a:p>
+          <a:p>
+            <a:pPr lvl="0">
+              <a:lnSpc>
+                <a:spcPct val="130000"/>
+              </a:lnSpc>
+            </a:pPr>
+            <a:r>
+              <a:rPr lang="en-US" altLang="zh-CN" sz="1600" dirty="0">
+                <a:solidFill>
+                  <a:prstClr val="white"/>
+                </a:solidFill>
+                <a:latin typeface="微软雅黑" pitchFamily="34" charset="-122"/>
+                <a:ea typeface="微软雅黑" pitchFamily="34" charset="-122"/>
+              </a:rPr>
+              <a:t>whisper</a:t>
+            </a:r>
+          </a:p>
+          <a:p>
+            <a:pPr lvl="0">
+              <a:lnSpc>
+                <a:spcPct val="130000"/>
+              </a:lnSpc>
+            </a:pPr>
+            <a:r>
+              <a:rPr lang="en-US" altLang="zh-CN" sz="1600" dirty="0">
+                <a:solidFill>
+                  <a:prstClr val="white"/>
+                </a:solidFill>
+                <a:latin typeface="微软雅黑" pitchFamily="34" charset="-122"/>
+                <a:ea typeface="微软雅黑" pitchFamily="34" charset="-122"/>
+              </a:rPr>
+              <a:t>time</a:t>
             </a:r>
             <a:endParaRPr lang="en-US" altLang="zh-CN" sz="1600" dirty="0">
               <a:solidFill>
@@ -17554,8 +16758,8 @@
         </p:nvSpPr>
         <p:spPr>
           <a:xfrm>
-            <a:off x="7843938" y="1080000"/>
-            <a:ext cx="1920437" cy="1692771"/>
+            <a:off x="7843938" y="792000"/>
+            <a:ext cx="1920437" cy="1981696"/>
           </a:xfrm>
           <a:prstGeom prst="rect">
             <a:avLst/>
@@ -17567,7 +16771,7 @@
           </a:bodyPr>
           <a:lstStyle/>
           <a:p>
-            <a:pPr lvl="0">
+            <a:pPr>
               <a:lnSpc>
                 <a:spcPct val="130000"/>
               </a:lnSpc>
@@ -17575,17 +16779,17 @@
             <a:r>
               <a:rPr lang="en-US" altLang="zh-CN" sz="1600" dirty="0" err="1">
                 <a:solidFill>
-                  <a:prstClr val="white"/>
+                  <a:schemeClr val="bg1"/>
                 </a:solidFill>
                 <a:latin typeface="微软雅黑" pitchFamily="34" charset="-122"/>
                 <a:ea typeface="微软雅黑" pitchFamily="34" charset="-122"/>
               </a:rPr>
-              <a:t>whisperID</a:t>
+              <a:t>scoreID</a:t>
             </a:r>
             <a:r>
               <a:rPr lang="en-US" altLang="zh-CN" sz="1600" dirty="0">
                 <a:solidFill>
-                  <a:prstClr val="white"/>
+                  <a:schemeClr val="bg1"/>
                 </a:solidFill>
                 <a:latin typeface="微软雅黑" pitchFamily="34" charset="-122"/>
                 <a:ea typeface="微软雅黑" pitchFamily="34" charset="-122"/>
@@ -17594,7 +16798,7 @@
             </a:r>
           </a:p>
           <a:p>
-            <a:pPr lvl="0">
+            <a:pPr>
               <a:lnSpc>
                 <a:spcPct val="130000"/>
               </a:lnSpc>
@@ -17602,16 +16806,16 @@
             <a:r>
               <a:rPr lang="en-US" altLang="zh-CN" sz="1600" dirty="0">
                 <a:solidFill>
-                  <a:prstClr val="white"/>
+                  <a:schemeClr val="bg1"/>
                 </a:solidFill>
                 <a:latin typeface="微软雅黑" pitchFamily="34" charset="-122"/>
                 <a:ea typeface="微软雅黑" pitchFamily="34" charset="-122"/>
               </a:rPr>
-              <a:t>sender(F)</a:t>
-            </a:r>
-          </a:p>
-          <a:p>
-            <a:pPr lvl="0">
+              <a:t>commenter(F)</a:t>
+            </a:r>
+          </a:p>
+          <a:p>
+            <a:pPr>
               <a:lnSpc>
                 <a:spcPct val="130000"/>
               </a:lnSpc>
@@ -17619,16 +16823,16 @@
             <a:r>
               <a:rPr lang="en-US" altLang="zh-CN" sz="1600" dirty="0">
                 <a:solidFill>
-                  <a:prstClr val="white"/>
+                  <a:schemeClr val="bg1"/>
                 </a:solidFill>
                 <a:latin typeface="微软雅黑" pitchFamily="34" charset="-122"/>
                 <a:ea typeface="微软雅黑" pitchFamily="34" charset="-122"/>
               </a:rPr>
-              <a:t>receiver(F)</a:t>
-            </a:r>
-          </a:p>
-          <a:p>
-            <a:pPr lvl="0">
+              <a:t>commented(F)</a:t>
+            </a:r>
+          </a:p>
+          <a:p>
+            <a:pPr>
               <a:lnSpc>
                 <a:spcPct val="130000"/>
               </a:lnSpc>
@@ -17636,16 +16840,16 @@
             <a:r>
               <a:rPr lang="en-US" altLang="zh-CN" sz="1600" dirty="0">
                 <a:solidFill>
-                  <a:prstClr val="white"/>
+                  <a:schemeClr val="bg1"/>
                 </a:solidFill>
                 <a:latin typeface="微软雅黑" pitchFamily="34" charset="-122"/>
                 <a:ea typeface="微软雅黑" pitchFamily="34" charset="-122"/>
               </a:rPr>
-              <a:t>whisper</a:t>
-            </a:r>
-          </a:p>
-          <a:p>
-            <a:pPr lvl="0">
+              <a:t>star</a:t>
+            </a:r>
+          </a:p>
+          <a:p>
+            <a:pPr>
               <a:lnSpc>
                 <a:spcPct val="130000"/>
               </a:lnSpc>
@@ -17653,16 +16857,33 @@
             <a:r>
               <a:rPr lang="en-US" altLang="zh-CN" sz="1600" dirty="0">
                 <a:solidFill>
-                  <a:prstClr val="white"/>
+                  <a:schemeClr val="bg1"/>
                 </a:solidFill>
                 <a:latin typeface="微软雅黑" pitchFamily="34" charset="-122"/>
                 <a:ea typeface="微软雅黑" pitchFamily="34" charset="-122"/>
               </a:rPr>
+              <a:t>comment</a:t>
+            </a:r>
+          </a:p>
+          <a:p>
+            <a:pPr>
+              <a:lnSpc>
+                <a:spcPct val="130000"/>
+              </a:lnSpc>
+            </a:pPr>
+            <a:r>
+              <a:rPr lang="en-US" altLang="zh-CN" sz="1600" dirty="0">
+                <a:solidFill>
+                  <a:schemeClr val="bg1"/>
+                </a:solidFill>
+                <a:latin typeface="微软雅黑" pitchFamily="34" charset="-122"/>
+                <a:ea typeface="微软雅黑" pitchFamily="34" charset="-122"/>
+              </a:rPr>
               <a:t>time</a:t>
             </a:r>
             <a:endParaRPr lang="en-US" altLang="zh-CN" sz="1600" dirty="0">
               <a:solidFill>
-                <a:prstClr val="white"/>
+                <a:schemeClr val="bg1"/>
               </a:solidFill>
               <a:latin typeface="微软雅黑" pitchFamily="34" charset="-122"/>
               <a:ea typeface="微软雅黑" pitchFamily="34" charset="-122"/>
